--- a/Cloud_Computing/Labs/Assignment/part 2/Cloud-Computing-Assignment-2.pptx
+++ b/Cloud_Computing/Labs/Assignment/part 2/Cloud-Computing-Assignment-2.pptx
@@ -274,7 +274,7 @@
           <a:p>
             <a:fld id="{FB15029A-EAF4-46E5-A5A0-8E8E4D5788BC}" type="datetimeFigureOut">
               <a:rPr lang="en-IE" smtClean="0"/>
-              <a:t>03/12/2018</a:t>
+              <a:t>11/12/2018</a:t>
             </a:fld>
             <a:endParaRPr lang="en-IE"/>
           </a:p>
@@ -474,7 +474,7 @@
           <a:p>
             <a:fld id="{FB15029A-EAF4-46E5-A5A0-8E8E4D5788BC}" type="datetimeFigureOut">
               <a:rPr lang="en-IE" smtClean="0"/>
-              <a:t>03/12/2018</a:t>
+              <a:t>11/12/2018</a:t>
             </a:fld>
             <a:endParaRPr lang="en-IE"/>
           </a:p>
@@ -684,7 +684,7 @@
           <a:p>
             <a:fld id="{FB15029A-EAF4-46E5-A5A0-8E8E4D5788BC}" type="datetimeFigureOut">
               <a:rPr lang="en-IE" smtClean="0"/>
-              <a:t>03/12/2018</a:t>
+              <a:t>11/12/2018</a:t>
             </a:fld>
             <a:endParaRPr lang="en-IE"/>
           </a:p>
@@ -884,7 +884,7 @@
           <a:p>
             <a:fld id="{FB15029A-EAF4-46E5-A5A0-8E8E4D5788BC}" type="datetimeFigureOut">
               <a:rPr lang="en-IE" smtClean="0"/>
-              <a:t>03/12/2018</a:t>
+              <a:t>11/12/2018</a:t>
             </a:fld>
             <a:endParaRPr lang="en-IE"/>
           </a:p>
@@ -1160,7 +1160,7 @@
           <a:p>
             <a:fld id="{FB15029A-EAF4-46E5-A5A0-8E8E4D5788BC}" type="datetimeFigureOut">
               <a:rPr lang="en-IE" smtClean="0"/>
-              <a:t>03/12/2018</a:t>
+              <a:t>11/12/2018</a:t>
             </a:fld>
             <a:endParaRPr lang="en-IE"/>
           </a:p>
@@ -1428,7 +1428,7 @@
           <a:p>
             <a:fld id="{FB15029A-EAF4-46E5-A5A0-8E8E4D5788BC}" type="datetimeFigureOut">
               <a:rPr lang="en-IE" smtClean="0"/>
-              <a:t>03/12/2018</a:t>
+              <a:t>11/12/2018</a:t>
             </a:fld>
             <a:endParaRPr lang="en-IE"/>
           </a:p>
@@ -1843,7 +1843,7 @@
           <a:p>
             <a:fld id="{FB15029A-EAF4-46E5-A5A0-8E8E4D5788BC}" type="datetimeFigureOut">
               <a:rPr lang="en-IE" smtClean="0"/>
-              <a:t>03/12/2018</a:t>
+              <a:t>11/12/2018</a:t>
             </a:fld>
             <a:endParaRPr lang="en-IE"/>
           </a:p>
@@ -1985,7 +1985,7 @@
           <a:p>
             <a:fld id="{FB15029A-EAF4-46E5-A5A0-8E8E4D5788BC}" type="datetimeFigureOut">
               <a:rPr lang="en-IE" smtClean="0"/>
-              <a:t>03/12/2018</a:t>
+              <a:t>11/12/2018</a:t>
             </a:fld>
             <a:endParaRPr lang="en-IE"/>
           </a:p>
@@ -2098,7 +2098,7 @@
           <a:p>
             <a:fld id="{FB15029A-EAF4-46E5-A5A0-8E8E4D5788BC}" type="datetimeFigureOut">
               <a:rPr lang="en-IE" smtClean="0"/>
-              <a:t>03/12/2018</a:t>
+              <a:t>11/12/2018</a:t>
             </a:fld>
             <a:endParaRPr lang="en-IE"/>
           </a:p>
@@ -2411,7 +2411,7 @@
           <a:p>
             <a:fld id="{FB15029A-EAF4-46E5-A5A0-8E8E4D5788BC}" type="datetimeFigureOut">
               <a:rPr lang="en-IE" smtClean="0"/>
-              <a:t>03/12/2018</a:t>
+              <a:t>11/12/2018</a:t>
             </a:fld>
             <a:endParaRPr lang="en-IE"/>
           </a:p>
@@ -2700,7 +2700,7 @@
           <a:p>
             <a:fld id="{FB15029A-EAF4-46E5-A5A0-8E8E4D5788BC}" type="datetimeFigureOut">
               <a:rPr lang="en-IE" smtClean="0"/>
-              <a:t>03/12/2018</a:t>
+              <a:t>11/12/2018</a:t>
             </a:fld>
             <a:endParaRPr lang="en-IE"/>
           </a:p>
@@ -2943,7 +2943,7 @@
           <a:p>
             <a:fld id="{FB15029A-EAF4-46E5-A5A0-8E8E4D5788BC}" type="datetimeFigureOut">
               <a:rPr lang="en-IE" smtClean="0"/>
-              <a:t>03/12/2018</a:t>
+              <a:t>11/12/2018</a:t>
             </a:fld>
             <a:endParaRPr lang="en-IE"/>
           </a:p>
@@ -3411,13 +3411,13 @@
           <a:p>
             <a:r>
               <a:rPr lang="en-IE" dirty="0"/>
-              <a:t>Thomas Killeen </a:t>
+              <a:t>William Carey</a:t>
             </a:r>
           </a:p>
           <a:p>
             <a:r>
               <a:rPr lang="en-IE" dirty="0"/>
-              <a:t>C16394453</a:t>
+              <a:t>C16315253</a:t>
             </a:r>
           </a:p>
           <a:p>
@@ -4088,14 +4088,14 @@
             <p:ph idx="1"/>
             <p:extLst>
               <p:ext uri="{D42A27DB-BD31-4B8C-83A1-F6EECF244321}">
-                <p14:modId xmlns:p14="http://schemas.microsoft.com/office/powerpoint/2010/main" val="572163854"/>
+                <p14:modId xmlns:p14="http://schemas.microsoft.com/office/powerpoint/2010/main" val="4151876687"/>
               </p:ext>
             </p:extLst>
           </p:nvPr>
         </p:nvGraphicFramePr>
         <p:xfrm>
-          <a:off x="838200" y="1825625"/>
-          <a:ext cx="10515600" cy="1112520"/>
+          <a:off x="768743" y="1825625"/>
+          <a:ext cx="10585057" cy="1381760"/>
         </p:xfrm>
         <a:graphic>
           <a:graphicData uri="http://schemas.openxmlformats.org/drawingml/2006/table">
@@ -4104,7 +4104,7 @@
                 <a:tableStyleId>{00A15C55-8517-42AA-B614-E9B94910E393}</a:tableStyleId>
               </a:tblPr>
               <a:tblGrid>
-                <a:gridCol w="2103120">
+                <a:gridCol w="2172577">
                   <a:extLst>
                     <a:ext uri="{9D8B030D-6E8A-4147-A177-3AD203B41FA5}">
                       <a16:colId xmlns:a16="http://schemas.microsoft.com/office/drawing/2014/main" val="4237887826"/>
@@ -4238,7 +4238,59 @@
                     <a:bodyPr/>
                     <a:lstStyle/>
                     <a:p>
-                      <a:endParaRPr lang="en-IE" dirty="0"/>
+                      <a:r>
+                        <a:rPr lang="en-IE" dirty="0"/>
+                        <a:t>1</a:t>
+                      </a:r>
+                    </a:p>
+                  </a:txBody>
+                  <a:tcPr/>
+                </a:tc>
+                <a:tc>
+                  <a:txBody>
+                    <a:bodyPr/>
+                    <a:lstStyle/>
+                    <a:p>
+                      <a:r>
+                        <a:rPr lang="en-IE" dirty="0"/>
+                        <a:t>US-West 1 or </a:t>
+                      </a:r>
+                    </a:p>
+                    <a:p>
+                      <a:r>
+                        <a:rPr lang="en-IE" dirty="0"/>
+                        <a:t>EU West 1</a:t>
+                      </a:r>
+                    </a:p>
+                  </a:txBody>
+                  <a:tcPr/>
+                </a:tc>
+                <a:tc>
+                  <a:txBody>
+                    <a:bodyPr/>
+                    <a:lstStyle/>
+                    <a:p>
+                      <a:pPr marL="0" marR="0" lvl="0" indent="0" algn="l" defTabSz="914400" rtl="0" eaLnBrk="1" fontAlgn="auto" latinLnBrk="0" hangingPunct="1">
+                        <a:lnSpc>
+                          <a:spcPct val="100000"/>
+                        </a:lnSpc>
+                        <a:spcBef>
+                          <a:spcPts val="0"/>
+                        </a:spcBef>
+                        <a:spcAft>
+                          <a:spcPts val="0"/>
+                        </a:spcAft>
+                        <a:buClrTx/>
+                        <a:buSzTx/>
+                        <a:buFontTx/>
+                        <a:buNone/>
+                        <a:tabLst/>
+                        <a:defRPr/>
+                      </a:pPr>
+                      <a:r>
+                        <a:rPr lang="en-IE" dirty="0"/>
+                        <a:t>Production</a:t>
+                      </a:r>
                     </a:p>
                   </a:txBody>
                   <a:tcPr/>
@@ -4258,27 +4310,10 @@
                     <a:bodyPr/>
                     <a:lstStyle/>
                     <a:p>
-                      <a:endParaRPr lang="en-IE"/>
-                    </a:p>
-                  </a:txBody>
-                  <a:tcPr/>
-                </a:tc>
-                <a:tc>
-                  <a:txBody>
-                    <a:bodyPr/>
-                    <a:lstStyle/>
-                    <a:p>
-                      <a:endParaRPr lang="en-IE"/>
-                    </a:p>
-                  </a:txBody>
-                  <a:tcPr/>
-                </a:tc>
-                <a:tc>
-                  <a:txBody>
-                    <a:bodyPr/>
-                    <a:lstStyle/>
-                    <a:p>
-                      <a:endParaRPr lang="en-IE"/>
+                      <a:r>
+                        <a:rPr lang="en-IE" dirty="0"/>
+                        <a:t>2</a:t>
+                      </a:r>
                     </a:p>
                   </a:txBody>
                   <a:tcPr/>
@@ -4295,17 +4330,53 @@
                     <a:bodyPr/>
                     <a:lstStyle/>
                     <a:p>
-                      <a:endParaRPr lang="en-IE" dirty="0"/>
-                    </a:p>
-                  </a:txBody>
-                  <a:tcPr/>
-                </a:tc>
-                <a:tc>
-                  <a:txBody>
-                    <a:bodyPr/>
-                    <a:lstStyle/>
-                    <a:p>
-                      <a:endParaRPr lang="en-IE" dirty="0"/>
+                      <a:r>
+                        <a:rPr lang="en-IE" dirty="0"/>
+                        <a:t>2</a:t>
+                      </a:r>
+                    </a:p>
+                  </a:txBody>
+                  <a:tcPr/>
+                </a:tc>
+                <a:tc>
+                  <a:txBody>
+                    <a:bodyPr/>
+                    <a:lstStyle/>
+                    <a:p>
+                      <a:r>
+                        <a:rPr lang="en-IE" dirty="0"/>
+                        <a:t>Same as above</a:t>
+                      </a:r>
+                    </a:p>
+                  </a:txBody>
+                  <a:tcPr/>
+                </a:tc>
+                <a:tc>
+                  <a:txBody>
+                    <a:bodyPr/>
+                    <a:lstStyle/>
+                    <a:p>
+                      <a:pPr marL="0" marR="0" lvl="0" indent="0" algn="l" defTabSz="914400" rtl="0" eaLnBrk="1" fontAlgn="auto" latinLnBrk="0" hangingPunct="1">
+                        <a:lnSpc>
+                          <a:spcPct val="100000"/>
+                        </a:lnSpc>
+                        <a:spcBef>
+                          <a:spcPts val="0"/>
+                        </a:spcBef>
+                        <a:spcAft>
+                          <a:spcPts val="0"/>
+                        </a:spcAft>
+                        <a:buClrTx/>
+                        <a:buSzTx/>
+                        <a:buFontTx/>
+                        <a:buNone/>
+                        <a:tabLst/>
+                        <a:defRPr/>
+                      </a:pPr>
+                      <a:r>
+                        <a:rPr lang="en-IE" dirty="0"/>
+                        <a:t>Test / Development</a:t>
+                      </a:r>
                     </a:p>
                   </a:txBody>
                   <a:tcPr/>
@@ -4325,17 +4396,10 @@
                     <a:bodyPr/>
                     <a:lstStyle/>
                     <a:p>
-                      <a:endParaRPr lang="en-IE"/>
-                    </a:p>
-                  </a:txBody>
-                  <a:tcPr/>
-                </a:tc>
-                <a:tc>
-                  <a:txBody>
-                    <a:bodyPr/>
-                    <a:lstStyle/>
-                    <a:p>
-                      <a:endParaRPr lang="en-IE" dirty="0"/>
+                      <a:r>
+                        <a:rPr lang="en-IE" dirty="0"/>
+                        <a:t>2</a:t>
+                      </a:r>
                     </a:p>
                   </a:txBody>
                   <a:tcPr/>
@@ -4365,7 +4429,7 @@
           <p:nvPr>
             <p:extLst>
               <p:ext uri="{D42A27DB-BD31-4B8C-83A1-F6EECF244321}">
-                <p14:modId xmlns:p14="http://schemas.microsoft.com/office/powerpoint/2010/main" val="3139957437"/>
+                <p14:modId xmlns:p14="http://schemas.microsoft.com/office/powerpoint/2010/main" val="1665793617"/>
               </p:ext>
             </p:extLst>
           </p:nvPr>
@@ -4491,37 +4555,49 @@
                     <a:bodyPr/>
                     <a:lstStyle/>
                     <a:p>
-                      <a:endParaRPr lang="en-IE"/>
-                    </a:p>
-                  </a:txBody>
-                  <a:tcPr/>
-                </a:tc>
-                <a:tc>
-                  <a:txBody>
-                    <a:bodyPr/>
-                    <a:lstStyle/>
-                    <a:p>
-                      <a:endParaRPr lang="en-IE" dirty="0"/>
-                    </a:p>
-                  </a:txBody>
-                  <a:tcPr/>
-                </a:tc>
-                <a:tc>
-                  <a:txBody>
-                    <a:bodyPr/>
-                    <a:lstStyle/>
-                    <a:p>
-                      <a:endParaRPr lang="en-IE"/>
-                    </a:p>
-                  </a:txBody>
-                  <a:tcPr/>
-                </a:tc>
-                <a:tc>
-                  <a:txBody>
-                    <a:bodyPr/>
-                    <a:lstStyle/>
-                    <a:p>
-                      <a:endParaRPr lang="en-IE"/>
+                      <a:r>
+                        <a:rPr lang="en-IE" dirty="0"/>
+                        <a:t>Private App 1</a:t>
+                      </a:r>
+                    </a:p>
+                  </a:txBody>
+                  <a:tcPr/>
+                </a:tc>
+                <a:tc>
+                  <a:txBody>
+                    <a:bodyPr/>
+                    <a:lstStyle/>
+                    <a:p>
+                      <a:r>
+                        <a:rPr lang="en-IE" dirty="0"/>
+                        <a:t>1 &amp; 2</a:t>
+                      </a:r>
+                    </a:p>
+                  </a:txBody>
+                  <a:tcPr/>
+                </a:tc>
+                <a:tc>
+                  <a:txBody>
+                    <a:bodyPr/>
+                    <a:lstStyle/>
+                    <a:p>
+                      <a:r>
+                        <a:rPr lang="en-IE" dirty="0"/>
+                        <a:t>Private</a:t>
+                      </a:r>
+                    </a:p>
+                  </a:txBody>
+                  <a:tcPr/>
+                </a:tc>
+                <a:tc>
+                  <a:txBody>
+                    <a:bodyPr/>
+                    <a:lstStyle/>
+                    <a:p>
+                      <a:r>
+                        <a:rPr lang="en-IE" dirty="0"/>
+                        <a:t>1</a:t>
+                      </a:r>
                     </a:p>
                   </a:txBody>
                   <a:tcPr/>
@@ -4538,37 +4614,83 @@
                     <a:bodyPr/>
                     <a:lstStyle/>
                     <a:p>
-                      <a:endParaRPr lang="en-IE"/>
-                    </a:p>
-                  </a:txBody>
-                  <a:tcPr/>
-                </a:tc>
-                <a:tc>
-                  <a:txBody>
-                    <a:bodyPr/>
-                    <a:lstStyle/>
-                    <a:p>
-                      <a:endParaRPr lang="en-IE"/>
-                    </a:p>
-                  </a:txBody>
-                  <a:tcPr/>
-                </a:tc>
-                <a:tc>
-                  <a:txBody>
-                    <a:bodyPr/>
-                    <a:lstStyle/>
-                    <a:p>
-                      <a:endParaRPr lang="en-IE"/>
-                    </a:p>
-                  </a:txBody>
-                  <a:tcPr/>
-                </a:tc>
-                <a:tc>
-                  <a:txBody>
-                    <a:bodyPr/>
-                    <a:lstStyle/>
-                    <a:p>
-                      <a:endParaRPr lang="en-IE"/>
+                      <a:pPr marL="0" marR="0" lvl="0" indent="0" algn="l" defTabSz="914400" rtl="0" eaLnBrk="1" fontAlgn="auto" latinLnBrk="0" hangingPunct="1">
+                        <a:lnSpc>
+                          <a:spcPct val="100000"/>
+                        </a:lnSpc>
+                        <a:spcBef>
+                          <a:spcPts val="0"/>
+                        </a:spcBef>
+                        <a:spcAft>
+                          <a:spcPts val="0"/>
+                        </a:spcAft>
+                        <a:buClrTx/>
+                        <a:buSzTx/>
+                        <a:buFontTx/>
+                        <a:buNone/>
+                        <a:tabLst/>
+                        <a:defRPr/>
+                      </a:pPr>
+                      <a:r>
+                        <a:rPr lang="en-IE" dirty="0"/>
+                        <a:t>Private App 2</a:t>
+                      </a:r>
+                    </a:p>
+                  </a:txBody>
+                  <a:tcPr/>
+                </a:tc>
+                <a:tc>
+                  <a:txBody>
+                    <a:bodyPr/>
+                    <a:lstStyle/>
+                    <a:p>
+                      <a:r>
+                        <a:rPr lang="en-IE" dirty="0"/>
+                        <a:t>1 &amp; 2</a:t>
+                      </a:r>
+                    </a:p>
+                  </a:txBody>
+                  <a:tcPr/>
+                </a:tc>
+                <a:tc>
+                  <a:txBody>
+                    <a:bodyPr/>
+                    <a:lstStyle/>
+                    <a:p>
+                      <a:pPr marL="0" marR="0" lvl="0" indent="0" algn="l" defTabSz="914400" rtl="0" eaLnBrk="1" fontAlgn="auto" latinLnBrk="0" hangingPunct="1">
+                        <a:lnSpc>
+                          <a:spcPct val="100000"/>
+                        </a:lnSpc>
+                        <a:spcBef>
+                          <a:spcPts val="0"/>
+                        </a:spcBef>
+                        <a:spcAft>
+                          <a:spcPts val="0"/>
+                        </a:spcAft>
+                        <a:buClrTx/>
+                        <a:buSzTx/>
+                        <a:buFontTx/>
+                        <a:buNone/>
+                        <a:tabLst/>
+                        <a:defRPr/>
+                      </a:pPr>
+                      <a:r>
+                        <a:rPr lang="en-IE" dirty="0"/>
+                        <a:t>Private</a:t>
+                      </a:r>
+                    </a:p>
+                  </a:txBody>
+                  <a:tcPr/>
+                </a:tc>
+                <a:tc>
+                  <a:txBody>
+                    <a:bodyPr/>
+                    <a:lstStyle/>
+                    <a:p>
+                      <a:r>
+                        <a:rPr lang="en-IE" dirty="0"/>
+                        <a:t>2</a:t>
+                      </a:r>
                     </a:p>
                   </a:txBody>
                   <a:tcPr/>
@@ -4585,37 +4707,100 @@
                     <a:bodyPr/>
                     <a:lstStyle/>
                     <a:p>
-                      <a:endParaRPr lang="en-IE"/>
-                    </a:p>
-                  </a:txBody>
-                  <a:tcPr/>
-                </a:tc>
-                <a:tc>
-                  <a:txBody>
-                    <a:bodyPr/>
-                    <a:lstStyle/>
-                    <a:p>
-                      <a:endParaRPr lang="en-IE"/>
-                    </a:p>
-                  </a:txBody>
-                  <a:tcPr/>
-                </a:tc>
-                <a:tc>
-                  <a:txBody>
-                    <a:bodyPr/>
-                    <a:lstStyle/>
-                    <a:p>
-                      <a:endParaRPr lang="en-IE"/>
-                    </a:p>
-                  </a:txBody>
-                  <a:tcPr/>
-                </a:tc>
-                <a:tc>
-                  <a:txBody>
-                    <a:bodyPr/>
-                    <a:lstStyle/>
-                    <a:p>
-                      <a:endParaRPr lang="en-IE"/>
+                      <a:pPr marL="0" marR="0" lvl="0" indent="0" algn="l" defTabSz="914400" rtl="0" eaLnBrk="1" fontAlgn="auto" latinLnBrk="0" hangingPunct="1">
+                        <a:lnSpc>
+                          <a:spcPct val="100000"/>
+                        </a:lnSpc>
+                        <a:spcBef>
+                          <a:spcPts val="0"/>
+                        </a:spcBef>
+                        <a:spcAft>
+                          <a:spcPts val="0"/>
+                        </a:spcAft>
+                        <a:buClrTx/>
+                        <a:buSzTx/>
+                        <a:buFontTx/>
+                        <a:buNone/>
+                        <a:tabLst/>
+                        <a:defRPr/>
+                      </a:pPr>
+                      <a:r>
+                        <a:rPr lang="en-IE" dirty="0"/>
+                        <a:t>Private Web 1</a:t>
+                      </a:r>
+                    </a:p>
+                  </a:txBody>
+                  <a:tcPr/>
+                </a:tc>
+                <a:tc>
+                  <a:txBody>
+                    <a:bodyPr/>
+                    <a:lstStyle/>
+                    <a:p>
+                      <a:pPr marL="0" marR="0" lvl="0" indent="0" algn="l" defTabSz="914400" rtl="0" eaLnBrk="1" fontAlgn="auto" latinLnBrk="0" hangingPunct="1">
+                        <a:lnSpc>
+                          <a:spcPct val="100000"/>
+                        </a:lnSpc>
+                        <a:spcBef>
+                          <a:spcPts val="0"/>
+                        </a:spcBef>
+                        <a:spcAft>
+                          <a:spcPts val="0"/>
+                        </a:spcAft>
+                        <a:buClrTx/>
+                        <a:buSzTx/>
+                        <a:buFontTx/>
+                        <a:buNone/>
+                        <a:tabLst/>
+                        <a:defRPr/>
+                      </a:pPr>
+                      <a:r>
+                        <a:rPr lang="en-IE" dirty="0"/>
+                        <a:t>1 &amp; 2</a:t>
+                      </a:r>
+                    </a:p>
+                  </a:txBody>
+                  <a:tcPr/>
+                </a:tc>
+                <a:tc>
+                  <a:txBody>
+                    <a:bodyPr/>
+                    <a:lstStyle/>
+                    <a:p>
+                      <a:pPr marL="0" marR="0" lvl="0" indent="0" algn="l" defTabSz="914400" rtl="0" eaLnBrk="1" fontAlgn="auto" latinLnBrk="0" hangingPunct="1">
+                        <a:lnSpc>
+                          <a:spcPct val="100000"/>
+                        </a:lnSpc>
+                        <a:spcBef>
+                          <a:spcPts val="0"/>
+                        </a:spcBef>
+                        <a:spcAft>
+                          <a:spcPts val="0"/>
+                        </a:spcAft>
+                        <a:buClrTx/>
+                        <a:buSzTx/>
+                        <a:buFontTx/>
+                        <a:buNone/>
+                        <a:tabLst/>
+                        <a:defRPr/>
+                      </a:pPr>
+                      <a:r>
+                        <a:rPr lang="en-IE" dirty="0"/>
+                        <a:t>Private</a:t>
+                      </a:r>
+                    </a:p>
+                  </a:txBody>
+                  <a:tcPr/>
+                </a:tc>
+                <a:tc>
+                  <a:txBody>
+                    <a:bodyPr/>
+                    <a:lstStyle/>
+                    <a:p>
+                      <a:r>
+                        <a:rPr lang="en-IE" dirty="0"/>
+                        <a:t>1</a:t>
+                      </a:r>
                     </a:p>
                   </a:txBody>
                   <a:tcPr/>
@@ -4632,37 +4817,100 @@
                     <a:bodyPr/>
                     <a:lstStyle/>
                     <a:p>
-                      <a:endParaRPr lang="en-IE"/>
-                    </a:p>
-                  </a:txBody>
-                  <a:tcPr/>
-                </a:tc>
-                <a:tc>
-                  <a:txBody>
-                    <a:bodyPr/>
-                    <a:lstStyle/>
-                    <a:p>
-                      <a:endParaRPr lang="en-IE"/>
-                    </a:p>
-                  </a:txBody>
-                  <a:tcPr/>
-                </a:tc>
-                <a:tc>
-                  <a:txBody>
-                    <a:bodyPr/>
-                    <a:lstStyle/>
-                    <a:p>
-                      <a:endParaRPr lang="en-IE"/>
-                    </a:p>
-                  </a:txBody>
-                  <a:tcPr/>
-                </a:tc>
-                <a:tc>
-                  <a:txBody>
-                    <a:bodyPr/>
-                    <a:lstStyle/>
-                    <a:p>
-                      <a:endParaRPr lang="en-IE"/>
+                      <a:pPr marL="0" marR="0" lvl="0" indent="0" algn="l" defTabSz="914400" rtl="0" eaLnBrk="1" fontAlgn="auto" latinLnBrk="0" hangingPunct="1">
+                        <a:lnSpc>
+                          <a:spcPct val="100000"/>
+                        </a:lnSpc>
+                        <a:spcBef>
+                          <a:spcPts val="0"/>
+                        </a:spcBef>
+                        <a:spcAft>
+                          <a:spcPts val="0"/>
+                        </a:spcAft>
+                        <a:buClrTx/>
+                        <a:buSzTx/>
+                        <a:buFontTx/>
+                        <a:buNone/>
+                        <a:tabLst/>
+                        <a:defRPr/>
+                      </a:pPr>
+                      <a:r>
+                        <a:rPr lang="en-IE" dirty="0"/>
+                        <a:t>Private Web 2</a:t>
+                      </a:r>
+                    </a:p>
+                  </a:txBody>
+                  <a:tcPr/>
+                </a:tc>
+                <a:tc>
+                  <a:txBody>
+                    <a:bodyPr/>
+                    <a:lstStyle/>
+                    <a:p>
+                      <a:pPr marL="0" marR="0" lvl="0" indent="0" algn="l" defTabSz="914400" rtl="0" eaLnBrk="1" fontAlgn="auto" latinLnBrk="0" hangingPunct="1">
+                        <a:lnSpc>
+                          <a:spcPct val="100000"/>
+                        </a:lnSpc>
+                        <a:spcBef>
+                          <a:spcPts val="0"/>
+                        </a:spcBef>
+                        <a:spcAft>
+                          <a:spcPts val="0"/>
+                        </a:spcAft>
+                        <a:buClrTx/>
+                        <a:buSzTx/>
+                        <a:buFontTx/>
+                        <a:buNone/>
+                        <a:tabLst/>
+                        <a:defRPr/>
+                      </a:pPr>
+                      <a:r>
+                        <a:rPr lang="en-IE" dirty="0"/>
+                        <a:t>1 &amp; 2</a:t>
+                      </a:r>
+                    </a:p>
+                  </a:txBody>
+                  <a:tcPr/>
+                </a:tc>
+                <a:tc>
+                  <a:txBody>
+                    <a:bodyPr/>
+                    <a:lstStyle/>
+                    <a:p>
+                      <a:pPr marL="0" marR="0" lvl="0" indent="0" algn="l" defTabSz="914400" rtl="0" eaLnBrk="1" fontAlgn="auto" latinLnBrk="0" hangingPunct="1">
+                        <a:lnSpc>
+                          <a:spcPct val="100000"/>
+                        </a:lnSpc>
+                        <a:spcBef>
+                          <a:spcPts val="0"/>
+                        </a:spcBef>
+                        <a:spcAft>
+                          <a:spcPts val="0"/>
+                        </a:spcAft>
+                        <a:buClrTx/>
+                        <a:buSzTx/>
+                        <a:buFontTx/>
+                        <a:buNone/>
+                        <a:tabLst/>
+                        <a:defRPr/>
+                      </a:pPr>
+                      <a:r>
+                        <a:rPr lang="en-IE" dirty="0"/>
+                        <a:t>Private</a:t>
+                      </a:r>
+                    </a:p>
+                  </a:txBody>
+                  <a:tcPr/>
+                </a:tc>
+                <a:tc>
+                  <a:txBody>
+                    <a:bodyPr/>
+                    <a:lstStyle/>
+                    <a:p>
+                      <a:r>
+                        <a:rPr lang="en-IE" dirty="0"/>
+                        <a:t>2</a:t>
+                      </a:r>
                     </a:p>
                   </a:txBody>
                   <a:tcPr/>
@@ -4679,37 +4927,100 @@
                     <a:bodyPr/>
                     <a:lstStyle/>
                     <a:p>
-                      <a:endParaRPr lang="en-IE"/>
-                    </a:p>
-                  </a:txBody>
-                  <a:tcPr/>
-                </a:tc>
-                <a:tc>
-                  <a:txBody>
-                    <a:bodyPr/>
-                    <a:lstStyle/>
-                    <a:p>
-                      <a:endParaRPr lang="en-IE"/>
-                    </a:p>
-                  </a:txBody>
-                  <a:tcPr/>
-                </a:tc>
-                <a:tc>
-                  <a:txBody>
-                    <a:bodyPr/>
-                    <a:lstStyle/>
-                    <a:p>
-                      <a:endParaRPr lang="en-IE"/>
-                    </a:p>
-                  </a:txBody>
-                  <a:tcPr/>
-                </a:tc>
-                <a:tc>
-                  <a:txBody>
-                    <a:bodyPr/>
-                    <a:lstStyle/>
-                    <a:p>
-                      <a:endParaRPr lang="en-IE"/>
+                      <a:pPr marL="0" marR="0" lvl="0" indent="0" algn="l" defTabSz="914400" rtl="0" eaLnBrk="1" fontAlgn="auto" latinLnBrk="0" hangingPunct="1">
+                        <a:lnSpc>
+                          <a:spcPct val="100000"/>
+                        </a:lnSpc>
+                        <a:spcBef>
+                          <a:spcPts val="0"/>
+                        </a:spcBef>
+                        <a:spcAft>
+                          <a:spcPts val="0"/>
+                        </a:spcAft>
+                        <a:buClrTx/>
+                        <a:buSzTx/>
+                        <a:buFontTx/>
+                        <a:buNone/>
+                        <a:tabLst/>
+                        <a:defRPr/>
+                      </a:pPr>
+                      <a:r>
+                        <a:rPr lang="en-IE" dirty="0"/>
+                        <a:t>Private DB 1</a:t>
+                      </a:r>
+                    </a:p>
+                  </a:txBody>
+                  <a:tcPr/>
+                </a:tc>
+                <a:tc>
+                  <a:txBody>
+                    <a:bodyPr/>
+                    <a:lstStyle/>
+                    <a:p>
+                      <a:pPr marL="0" marR="0" lvl="0" indent="0" algn="l" defTabSz="914400" rtl="0" eaLnBrk="1" fontAlgn="auto" latinLnBrk="0" hangingPunct="1">
+                        <a:lnSpc>
+                          <a:spcPct val="100000"/>
+                        </a:lnSpc>
+                        <a:spcBef>
+                          <a:spcPts val="0"/>
+                        </a:spcBef>
+                        <a:spcAft>
+                          <a:spcPts val="0"/>
+                        </a:spcAft>
+                        <a:buClrTx/>
+                        <a:buSzTx/>
+                        <a:buFontTx/>
+                        <a:buNone/>
+                        <a:tabLst/>
+                        <a:defRPr/>
+                      </a:pPr>
+                      <a:r>
+                        <a:rPr lang="en-IE" dirty="0"/>
+                        <a:t>1 &amp; 2</a:t>
+                      </a:r>
+                    </a:p>
+                  </a:txBody>
+                  <a:tcPr/>
+                </a:tc>
+                <a:tc>
+                  <a:txBody>
+                    <a:bodyPr/>
+                    <a:lstStyle/>
+                    <a:p>
+                      <a:pPr marL="0" marR="0" lvl="0" indent="0" algn="l" defTabSz="914400" rtl="0" eaLnBrk="1" fontAlgn="auto" latinLnBrk="0" hangingPunct="1">
+                        <a:lnSpc>
+                          <a:spcPct val="100000"/>
+                        </a:lnSpc>
+                        <a:spcBef>
+                          <a:spcPts val="0"/>
+                        </a:spcBef>
+                        <a:spcAft>
+                          <a:spcPts val="0"/>
+                        </a:spcAft>
+                        <a:buClrTx/>
+                        <a:buSzTx/>
+                        <a:buFontTx/>
+                        <a:buNone/>
+                        <a:tabLst/>
+                        <a:defRPr/>
+                      </a:pPr>
+                      <a:r>
+                        <a:rPr lang="en-IE" dirty="0"/>
+                        <a:t>Private</a:t>
+                      </a:r>
+                    </a:p>
+                  </a:txBody>
+                  <a:tcPr/>
+                </a:tc>
+                <a:tc>
+                  <a:txBody>
+                    <a:bodyPr/>
+                    <a:lstStyle/>
+                    <a:p>
+                      <a:r>
+                        <a:rPr lang="en-IE" dirty="0"/>
+                        <a:t>1</a:t>
+                      </a:r>
                     </a:p>
                   </a:txBody>
                   <a:tcPr/>
@@ -4726,37 +5037,100 @@
                     <a:bodyPr/>
                     <a:lstStyle/>
                     <a:p>
-                      <a:endParaRPr lang="en-IE"/>
-                    </a:p>
-                  </a:txBody>
-                  <a:tcPr/>
-                </a:tc>
-                <a:tc>
-                  <a:txBody>
-                    <a:bodyPr/>
-                    <a:lstStyle/>
-                    <a:p>
-                      <a:endParaRPr lang="en-IE"/>
-                    </a:p>
-                  </a:txBody>
-                  <a:tcPr/>
-                </a:tc>
-                <a:tc>
-                  <a:txBody>
-                    <a:bodyPr/>
-                    <a:lstStyle/>
-                    <a:p>
-                      <a:endParaRPr lang="en-IE"/>
-                    </a:p>
-                  </a:txBody>
-                  <a:tcPr/>
-                </a:tc>
-                <a:tc>
-                  <a:txBody>
-                    <a:bodyPr/>
-                    <a:lstStyle/>
-                    <a:p>
-                      <a:endParaRPr lang="en-IE" dirty="0"/>
+                      <a:pPr marL="0" marR="0" lvl="0" indent="0" algn="l" defTabSz="914400" rtl="0" eaLnBrk="1" fontAlgn="auto" latinLnBrk="0" hangingPunct="1">
+                        <a:lnSpc>
+                          <a:spcPct val="100000"/>
+                        </a:lnSpc>
+                        <a:spcBef>
+                          <a:spcPts val="0"/>
+                        </a:spcBef>
+                        <a:spcAft>
+                          <a:spcPts val="0"/>
+                        </a:spcAft>
+                        <a:buClrTx/>
+                        <a:buSzTx/>
+                        <a:buFontTx/>
+                        <a:buNone/>
+                        <a:tabLst/>
+                        <a:defRPr/>
+                      </a:pPr>
+                      <a:r>
+                        <a:rPr lang="en-IE" dirty="0"/>
+                        <a:t>Private DB 2</a:t>
+                      </a:r>
+                    </a:p>
+                  </a:txBody>
+                  <a:tcPr/>
+                </a:tc>
+                <a:tc>
+                  <a:txBody>
+                    <a:bodyPr/>
+                    <a:lstStyle/>
+                    <a:p>
+                      <a:pPr marL="0" marR="0" lvl="0" indent="0" algn="l" defTabSz="914400" rtl="0" eaLnBrk="1" fontAlgn="auto" latinLnBrk="0" hangingPunct="1">
+                        <a:lnSpc>
+                          <a:spcPct val="100000"/>
+                        </a:lnSpc>
+                        <a:spcBef>
+                          <a:spcPts val="0"/>
+                        </a:spcBef>
+                        <a:spcAft>
+                          <a:spcPts val="0"/>
+                        </a:spcAft>
+                        <a:buClrTx/>
+                        <a:buSzTx/>
+                        <a:buFontTx/>
+                        <a:buNone/>
+                        <a:tabLst/>
+                        <a:defRPr/>
+                      </a:pPr>
+                      <a:r>
+                        <a:rPr lang="en-IE" dirty="0"/>
+                        <a:t>1 &amp; 2</a:t>
+                      </a:r>
+                    </a:p>
+                  </a:txBody>
+                  <a:tcPr/>
+                </a:tc>
+                <a:tc>
+                  <a:txBody>
+                    <a:bodyPr/>
+                    <a:lstStyle/>
+                    <a:p>
+                      <a:pPr marL="0" marR="0" lvl="0" indent="0" algn="l" defTabSz="914400" rtl="0" eaLnBrk="1" fontAlgn="auto" latinLnBrk="0" hangingPunct="1">
+                        <a:lnSpc>
+                          <a:spcPct val="100000"/>
+                        </a:lnSpc>
+                        <a:spcBef>
+                          <a:spcPts val="0"/>
+                        </a:spcBef>
+                        <a:spcAft>
+                          <a:spcPts val="0"/>
+                        </a:spcAft>
+                        <a:buClrTx/>
+                        <a:buSzTx/>
+                        <a:buFontTx/>
+                        <a:buNone/>
+                        <a:tabLst/>
+                        <a:defRPr/>
+                      </a:pPr>
+                      <a:r>
+                        <a:rPr lang="en-IE" dirty="0"/>
+                        <a:t>Private</a:t>
+                      </a:r>
+                    </a:p>
+                  </a:txBody>
+                  <a:tcPr/>
+                </a:tc>
+                <a:tc>
+                  <a:txBody>
+                    <a:bodyPr/>
+                    <a:lstStyle/>
+                    <a:p>
+                      <a:r>
+                        <a:rPr lang="en-IE" dirty="0"/>
+                        <a:t>2</a:t>
+                      </a:r>
                     </a:p>
                   </a:txBody>
                   <a:tcPr/>

--- a/Cloud_Computing/Labs/Assignment/part 2/Cloud-Computing-Assignment-2.pptx
+++ b/Cloud_Computing/Labs/Assignment/part 2/Cloud-Computing-Assignment-2.pptx
@@ -4088,14 +4088,14 @@
             <p:ph idx="1"/>
             <p:extLst>
               <p:ext uri="{D42A27DB-BD31-4B8C-83A1-F6EECF244321}">
-                <p14:modId xmlns:p14="http://schemas.microsoft.com/office/powerpoint/2010/main" val="4151876687"/>
+                <p14:modId xmlns:p14="http://schemas.microsoft.com/office/powerpoint/2010/main" val="4196336964"/>
               </p:ext>
             </p:extLst>
           </p:nvPr>
         </p:nvGraphicFramePr>
         <p:xfrm>
           <a:off x="768743" y="1825625"/>
-          <a:ext cx="10585057" cy="1381760"/>
+          <a:ext cx="10585057" cy="1112520"/>
         </p:xfrm>
         <a:graphic>
           <a:graphicData uri="http://schemas.openxmlformats.org/drawingml/2006/table">
@@ -4253,13 +4253,7 @@
                     <a:p>
                       <a:r>
                         <a:rPr lang="en-IE" dirty="0"/>
-                        <a:t>US-West 1 or </a:t>
-                      </a:r>
-                    </a:p>
-                    <a:p>
-                      <a:r>
-                        <a:rPr lang="en-IE" dirty="0"/>
-                        <a:t>EU West 1</a:t>
+                        <a:t>US-West 1</a:t>
                       </a:r>
                     </a:p>
                   </a:txBody>
@@ -4300,7 +4294,10 @@
                     <a:bodyPr/>
                     <a:lstStyle/>
                     <a:p>
-                      <a:endParaRPr lang="en-IE"/>
+                      <a:r>
+                        <a:rPr lang="en-IE" dirty="0"/>
+                        <a:t>6</a:t>
+                      </a:r>
                     </a:p>
                   </a:txBody>
                   <a:tcPr/>
@@ -4386,7 +4383,10 @@
                     <a:bodyPr/>
                     <a:lstStyle/>
                     <a:p>
-                      <a:endParaRPr lang="en-IE"/>
+                      <a:r>
+                        <a:rPr lang="en-IE" dirty="0"/>
+                        <a:t>6</a:t>
+                      </a:r>
                     </a:p>
                   </a:txBody>
                   <a:tcPr/>
@@ -5219,7 +5219,7 @@
             <p:ph idx="1"/>
             <p:extLst>
               <p:ext uri="{D42A27DB-BD31-4B8C-83A1-F6EECF244321}">
-                <p14:modId xmlns:p14="http://schemas.microsoft.com/office/powerpoint/2010/main" val="157443310"/>
+                <p14:modId xmlns:p14="http://schemas.microsoft.com/office/powerpoint/2010/main" val="890339126"/>
               </p:ext>
             </p:extLst>
           </p:nvPr>
@@ -5358,27 +5358,40 @@
                     <a:bodyPr/>
                     <a:lstStyle/>
                     <a:p>
-                      <a:endParaRPr lang="en-IE"/>
-                    </a:p>
-                  </a:txBody>
-                  <a:tcPr/>
-                </a:tc>
-                <a:tc>
-                  <a:txBody>
-                    <a:bodyPr/>
-                    <a:lstStyle/>
-                    <a:p>
-                      <a:endParaRPr lang="en-IE"/>
-                    </a:p>
-                  </a:txBody>
-                  <a:tcPr/>
-                </a:tc>
-                <a:tc>
-                  <a:txBody>
-                    <a:bodyPr/>
-                    <a:lstStyle/>
-                    <a:p>
-                      <a:endParaRPr lang="en-IE"/>
+                      <a:r>
+                        <a:rPr lang="en-IE" dirty="0" err="1"/>
+                        <a:t>Elb</a:t>
+                      </a:r>
+                      <a:r>
+                        <a:rPr lang="en-IE" dirty="0"/>
+                        <a:t>-sg</a:t>
+                      </a:r>
+                    </a:p>
+                  </a:txBody>
+                  <a:tcPr/>
+                </a:tc>
+                <a:tc>
+                  <a:txBody>
+                    <a:bodyPr/>
+                    <a:lstStyle/>
+                    <a:p>
+                      <a:r>
+                        <a:rPr lang="en-IE" dirty="0"/>
+                        <a:t>Allow 443</a:t>
+                      </a:r>
+                    </a:p>
+                  </a:txBody>
+                  <a:tcPr/>
+                </a:tc>
+                <a:tc>
+                  <a:txBody>
+                    <a:bodyPr/>
+                    <a:lstStyle/>
+                    <a:p>
+                      <a:r>
+                        <a:rPr lang="en-IE" dirty="0"/>
+                        <a:t>0.0.0.0/0</a:t>
+                      </a:r>
                     </a:p>
                   </a:txBody>
                   <a:tcPr/>
@@ -5408,27 +5421,36 @@
                     <a:bodyPr/>
                     <a:lstStyle/>
                     <a:p>
-                      <a:endParaRPr lang="en-IE"/>
-                    </a:p>
-                  </a:txBody>
-                  <a:tcPr/>
-                </a:tc>
-                <a:tc>
-                  <a:txBody>
-                    <a:bodyPr/>
-                    <a:lstStyle/>
-                    <a:p>
-                      <a:endParaRPr lang="en-IE"/>
-                    </a:p>
-                  </a:txBody>
-                  <a:tcPr/>
-                </a:tc>
-                <a:tc>
-                  <a:txBody>
-                    <a:bodyPr/>
-                    <a:lstStyle/>
-                    <a:p>
-                      <a:endParaRPr lang="en-IE"/>
+                      <a:r>
+                        <a:rPr lang="en-IE" dirty="0"/>
+                        <a:t>Web-sg</a:t>
+                      </a:r>
+                    </a:p>
+                  </a:txBody>
+                  <a:tcPr/>
+                </a:tc>
+                <a:tc>
+                  <a:txBody>
+                    <a:bodyPr/>
+                    <a:lstStyle/>
+                    <a:p>
+                      <a:r>
+                        <a:rPr lang="en-IE" dirty="0"/>
+                        <a:t>Allow 8080</a:t>
+                      </a:r>
+                    </a:p>
+                  </a:txBody>
+                  <a:tcPr/>
+                </a:tc>
+                <a:tc>
+                  <a:txBody>
+                    <a:bodyPr/>
+                    <a:lstStyle/>
+                    <a:p>
+                      <a:r>
+                        <a:rPr lang="en-IE" dirty="0"/>
+                        <a:t>ELB</a:t>
+                      </a:r>
                     </a:p>
                   </a:txBody>
                   <a:tcPr/>
@@ -5458,27 +5480,36 @@
                     <a:bodyPr/>
                     <a:lstStyle/>
                     <a:p>
-                      <a:endParaRPr lang="en-IE" dirty="0"/>
-                    </a:p>
-                  </a:txBody>
-                  <a:tcPr/>
-                </a:tc>
-                <a:tc>
-                  <a:txBody>
-                    <a:bodyPr/>
-                    <a:lstStyle/>
-                    <a:p>
-                      <a:endParaRPr lang="en-IE"/>
-                    </a:p>
-                  </a:txBody>
-                  <a:tcPr/>
-                </a:tc>
-                <a:tc>
-                  <a:txBody>
-                    <a:bodyPr/>
-                    <a:lstStyle/>
-                    <a:p>
-                      <a:endParaRPr lang="en-IE"/>
+                      <a:r>
+                        <a:rPr lang="en-IE" dirty="0"/>
+                        <a:t>App-sg</a:t>
+                      </a:r>
+                    </a:p>
+                  </a:txBody>
+                  <a:tcPr/>
+                </a:tc>
+                <a:tc>
+                  <a:txBody>
+                    <a:bodyPr/>
+                    <a:lstStyle/>
+                    <a:p>
+                      <a:r>
+                        <a:rPr lang="en-IE" dirty="0"/>
+                        <a:t>Allow 8080</a:t>
+                      </a:r>
+                    </a:p>
+                  </a:txBody>
+                  <a:tcPr/>
+                </a:tc>
+                <a:tc>
+                  <a:txBody>
+                    <a:bodyPr/>
+                    <a:lstStyle/>
+                    <a:p>
+                      <a:r>
+                        <a:rPr lang="en-IE" dirty="0"/>
+                        <a:t>Web tier</a:t>
+                      </a:r>
                     </a:p>
                   </a:txBody>
                   <a:tcPr/>
@@ -5508,27 +5539,36 @@
                     <a:bodyPr/>
                     <a:lstStyle/>
                     <a:p>
-                      <a:endParaRPr lang="en-IE"/>
-                    </a:p>
-                  </a:txBody>
-                  <a:tcPr/>
-                </a:tc>
-                <a:tc>
-                  <a:txBody>
-                    <a:bodyPr/>
-                    <a:lstStyle/>
-                    <a:p>
-                      <a:endParaRPr lang="en-IE"/>
-                    </a:p>
-                  </a:txBody>
-                  <a:tcPr/>
-                </a:tc>
-                <a:tc>
-                  <a:txBody>
-                    <a:bodyPr/>
-                    <a:lstStyle/>
-                    <a:p>
-                      <a:endParaRPr lang="en-IE" dirty="0"/>
+                      <a:r>
+                        <a:rPr lang="en-IE" dirty="0"/>
+                        <a:t>Db-sg</a:t>
+                      </a:r>
+                    </a:p>
+                  </a:txBody>
+                  <a:tcPr/>
+                </a:tc>
+                <a:tc>
+                  <a:txBody>
+                    <a:bodyPr/>
+                    <a:lstStyle/>
+                    <a:p>
+                      <a:r>
+                        <a:rPr lang="en-IE" dirty="0"/>
+                        <a:t>Allow 3306</a:t>
+                      </a:r>
+                    </a:p>
+                  </a:txBody>
+                  <a:tcPr/>
+                </a:tc>
+                <a:tc>
+                  <a:txBody>
+                    <a:bodyPr/>
+                    <a:lstStyle/>
+                    <a:p>
+                      <a:r>
+                        <a:rPr lang="en-IE" dirty="0"/>
+                        <a:t>App tier</a:t>
+                      </a:r>
                     </a:p>
                   </a:txBody>
                   <a:tcPr/>
@@ -6043,14 +6083,14 @@
             <p:ph idx="1"/>
             <p:extLst>
               <p:ext uri="{D42A27DB-BD31-4B8C-83A1-F6EECF244321}">
-                <p14:modId xmlns:p14="http://schemas.microsoft.com/office/powerpoint/2010/main" val="1233115907"/>
+                <p14:modId xmlns:p14="http://schemas.microsoft.com/office/powerpoint/2010/main" val="1556941435"/>
               </p:ext>
             </p:extLst>
           </p:nvPr>
         </p:nvGraphicFramePr>
         <p:xfrm>
-          <a:off x="838200" y="1825625"/>
-          <a:ext cx="10515603" cy="2570480"/>
+          <a:off x="838200" y="1825624"/>
+          <a:ext cx="10515603" cy="3150978"/>
         </p:xfrm>
         <a:graphic>
           <a:graphicData uri="http://schemas.openxmlformats.org/drawingml/2006/table">
@@ -6109,7 +6149,7 @@
                   </a:extLst>
                 </a:gridCol>
               </a:tblGrid>
-              <a:tr h="370840">
+              <a:tr h="454588">
                 <a:tc>
                   <a:txBody>
                     <a:bodyPr/>
@@ -6235,7 +6275,7 @@
                   </a:ext>
                 </a:extLst>
               </a:tr>
-              <a:tr h="370840">
+              <a:tr h="1120901">
                 <a:tc>
                   <a:txBody>
                     <a:bodyPr/>
@@ -6258,7 +6298,10 @@
                     <a:bodyPr/>
                     <a:lstStyle/>
                     <a:p>
-                      <a:endParaRPr lang="en-IE" dirty="0"/>
+                      <a:r>
+                        <a:rPr lang="en-IE" dirty="0"/>
+                        <a:t>Amazon Linux</a:t>
+                      </a:r>
                     </a:p>
                   </a:txBody>
                   <a:tcPr/>
@@ -6281,7 +6324,23 @@
                     <a:bodyPr/>
                     <a:lstStyle/>
                     <a:p>
-                      <a:endParaRPr lang="en-IE" dirty="0"/>
+                      <a:r>
+                        <a:rPr lang="en-IE" dirty="0"/>
+                        <a:t>T2</a:t>
+                      </a:r>
+                    </a:p>
+                  </a:txBody>
+                  <a:tcPr/>
+                </a:tc>
+                <a:tc>
+                  <a:txBody>
+                    <a:bodyPr/>
+                    <a:lstStyle/>
+                    <a:p>
+                      <a:r>
+                        <a:rPr lang="en-IE" dirty="0"/>
+                        <a:t>Large</a:t>
+                      </a:r>
                     </a:p>
                   </a:txBody>
                   <a:tcPr/>
@@ -6301,17 +6360,10 @@
                     <a:bodyPr/>
                     <a:lstStyle/>
                     <a:p>
-                      <a:endParaRPr lang="en-IE"/>
-                    </a:p>
-                  </a:txBody>
-                  <a:tcPr/>
-                </a:tc>
-                <a:tc>
-                  <a:txBody>
-                    <a:bodyPr/>
-                    <a:lstStyle/>
-                    <a:p>
-                      <a:endParaRPr lang="en-IE"/>
+                      <a:r>
+                        <a:rPr lang="en-IE" dirty="0"/>
+                        <a:t>6</a:t>
+                      </a:r>
                     </a:p>
                   </a:txBody>
                   <a:tcPr/>
@@ -6322,7 +6374,7 @@
                   </a:ext>
                 </a:extLst>
               </a:tr>
-              <a:tr h="370840">
+              <a:tr h="1120901">
                 <a:tc>
                   <a:txBody>
                     <a:bodyPr/>
@@ -6341,7 +6393,10 @@
                     <a:bodyPr/>
                     <a:lstStyle/>
                     <a:p>
-                      <a:endParaRPr lang="en-IE"/>
+                      <a:r>
+                        <a:rPr lang="en-IE" dirty="0"/>
+                        <a:t>Amazon Linux</a:t>
+                      </a:r>
                     </a:p>
                   </a:txBody>
                   <a:tcPr/>
@@ -6364,6 +6419,32 @@
                     <a:bodyPr/>
                     <a:lstStyle/>
                     <a:p>
+                      <a:r>
+                        <a:rPr lang="en-IE" dirty="0"/>
+                        <a:t>R5</a:t>
+                      </a:r>
+                    </a:p>
+                  </a:txBody>
+                  <a:tcPr/>
+                </a:tc>
+                <a:tc>
+                  <a:txBody>
+                    <a:bodyPr/>
+                    <a:lstStyle/>
+                    <a:p>
+                      <a:r>
+                        <a:rPr lang="en-IE" dirty="0"/>
+                        <a:t>2xLarge</a:t>
+                      </a:r>
+                    </a:p>
+                  </a:txBody>
+                  <a:tcPr/>
+                </a:tc>
+                <a:tc>
+                  <a:txBody>
+                    <a:bodyPr/>
+                    <a:lstStyle/>
+                    <a:p>
                       <a:endParaRPr lang="en-IE"/>
                     </a:p>
                   </a:txBody>
@@ -6374,27 +6455,10 @@
                     <a:bodyPr/>
                     <a:lstStyle/>
                     <a:p>
-                      <a:endParaRPr lang="en-IE"/>
-                    </a:p>
-                  </a:txBody>
-                  <a:tcPr/>
-                </a:tc>
-                <a:tc>
-                  <a:txBody>
-                    <a:bodyPr/>
-                    <a:lstStyle/>
-                    <a:p>
-                      <a:endParaRPr lang="en-IE"/>
-                    </a:p>
-                  </a:txBody>
-                  <a:tcPr/>
-                </a:tc>
-                <a:tc>
-                  <a:txBody>
-                    <a:bodyPr/>
-                    <a:lstStyle/>
-                    <a:p>
-                      <a:endParaRPr lang="en-IE"/>
+                      <a:r>
+                        <a:rPr lang="en-IE" dirty="0"/>
+                        <a:t>6</a:t>
+                      </a:r>
                     </a:p>
                   </a:txBody>
                   <a:tcPr/>
@@ -6405,7 +6469,7 @@
                   </a:ext>
                 </a:extLst>
               </a:tr>
-              <a:tr h="370840">
+              <a:tr h="454588">
                 <a:tc>
                   <a:txBody>
                     <a:bodyPr/>
@@ -6424,16 +6488,6 @@
                     <a:bodyPr/>
                     <a:lstStyle/>
                     <a:p>
-                      <a:endParaRPr lang="en-IE" dirty="0"/>
-                    </a:p>
-                  </a:txBody>
-                  <a:tcPr/>
-                </a:tc>
-                <a:tc>
-                  <a:txBody>
-                    <a:bodyPr/>
-                    <a:lstStyle/>
-                    <a:p>
                       <a:r>
                         <a:rPr lang="en-IE" dirty="0"/>
                         <a:t>N/A</a:t>
@@ -6447,7 +6501,36 @@
                     <a:bodyPr/>
                     <a:lstStyle/>
                     <a:p>
-                      <a:endParaRPr lang="en-IE" dirty="0"/>
+                      <a:r>
+                        <a:rPr lang="en-IE" dirty="0"/>
+                        <a:t>N/A</a:t>
+                      </a:r>
+                    </a:p>
+                  </a:txBody>
+                  <a:tcPr/>
+                </a:tc>
+                <a:tc>
+                  <a:txBody>
+                    <a:bodyPr/>
+                    <a:lstStyle/>
+                    <a:p>
+                      <a:r>
+                        <a:rPr lang="en-IE" dirty="0"/>
+                        <a:t>DB.R5</a:t>
+                      </a:r>
+                    </a:p>
+                  </a:txBody>
+                  <a:tcPr/>
+                </a:tc>
+                <a:tc>
+                  <a:txBody>
+                    <a:bodyPr/>
+                    <a:lstStyle/>
+                    <a:p>
+                      <a:r>
+                        <a:rPr lang="en-IE" dirty="0"/>
+                        <a:t>2xLarge</a:t>
+                      </a:r>
                     </a:p>
                   </a:txBody>
                   <a:tcPr/>
@@ -6467,17 +6550,10 @@
                     <a:bodyPr/>
                     <a:lstStyle/>
                     <a:p>
-                      <a:endParaRPr lang="en-IE"/>
-                    </a:p>
-                  </a:txBody>
-                  <a:tcPr/>
-                </a:tc>
-                <a:tc>
-                  <a:txBody>
-                    <a:bodyPr/>
-                    <a:lstStyle/>
-                    <a:p>
-                      <a:endParaRPr lang="en-IE" dirty="0"/>
+                      <a:r>
+                        <a:rPr lang="en-IE" dirty="0"/>
+                        <a:t>N/A</a:t>
+                      </a:r>
                     </a:p>
                   </a:txBody>
                   <a:tcPr/>
@@ -6538,7 +6614,12 @@
             <p:ph type="title"/>
           </p:nvPr>
         </p:nvSpPr>
-        <p:spPr/>
+        <p:spPr>
+          <a:xfrm>
+            <a:off x="838200" y="365126"/>
+            <a:ext cx="10515600" cy="1285650"/>
+          </a:xfrm>
+        </p:spPr>
         <p:txBody>
           <a:bodyPr/>
           <a:lstStyle/>
@@ -6566,7 +6647,12 @@
             <p:ph idx="1"/>
           </p:nvPr>
         </p:nvSpPr>
-        <p:spPr/>
+        <p:spPr>
+          <a:xfrm>
+            <a:off x="838200" y="1825625"/>
+            <a:ext cx="10515600" cy="1192704"/>
+          </a:xfrm>
+        </p:spPr>
         <p:txBody>
           <a:bodyPr/>
           <a:lstStyle/>
@@ -6575,6 +6661,22 @@
               <a:rPr lang="en-IE" dirty="0"/>
               <a:t>Q: How would you achieve a Recovery Point Objective of four hours?</a:t>
             </a:r>
+          </a:p>
+          <a:p>
+            <a:pPr marL="0" indent="0">
+              <a:buNone/>
+            </a:pPr>
+            <a:r>
+              <a:rPr lang="en-US" sz="2000" dirty="0"/>
+              <a:t>Since all the servers working are virtual / Software rather then hardware, We can create images dynamically every four hours</a:t>
+            </a:r>
+            <a:r>
+              <a:rPr lang="en-GB" sz="2000" dirty="0"/>
+              <a:t> and save them inside the RDS Database.</a:t>
+            </a:r>
+          </a:p>
+          <a:p>
+            <a:endParaRPr lang="en-IE" dirty="0"/>
           </a:p>
         </p:txBody>
       </p:sp>
@@ -6624,7 +6726,12 @@
             <p:ph type="title"/>
           </p:nvPr>
         </p:nvSpPr>
-        <p:spPr/>
+        <p:spPr>
+          <a:xfrm>
+            <a:off x="611623" y="219469"/>
+            <a:ext cx="10515600" cy="1325563"/>
+          </a:xfrm>
+        </p:spPr>
         <p:txBody>
           <a:bodyPr/>
           <a:lstStyle/>

--- a/Cloud_Computing/Labs/Assignment/part 2/Cloud-Computing-Assignment-2.pptx
+++ b/Cloud_Computing/Labs/Assignment/part 2/Cloud-Computing-Assignment-2.pptx
@@ -11,14 +11,13 @@
     <p:sldId id="259" r:id="rId5"/>
     <p:sldId id="260" r:id="rId6"/>
     <p:sldId id="261" r:id="rId7"/>
-    <p:sldId id="262" r:id="rId8"/>
-    <p:sldId id="263" r:id="rId9"/>
-    <p:sldId id="264" r:id="rId10"/>
-    <p:sldId id="265" r:id="rId11"/>
-    <p:sldId id="266" r:id="rId12"/>
-    <p:sldId id="267" r:id="rId13"/>
-    <p:sldId id="268" r:id="rId14"/>
-    <p:sldId id="269" r:id="rId15"/>
+    <p:sldId id="263" r:id="rId8"/>
+    <p:sldId id="264" r:id="rId9"/>
+    <p:sldId id="265" r:id="rId10"/>
+    <p:sldId id="266" r:id="rId11"/>
+    <p:sldId id="267" r:id="rId12"/>
+    <p:sldId id="268" r:id="rId13"/>
+    <p:sldId id="269" r:id="rId14"/>
   </p:sldIdLst>
   <p:sldSz cx="12192000" cy="6858000"/>
   <p:notesSz cx="6858000" cy="9144000"/>
@@ -274,7 +273,7 @@
           <a:p>
             <a:fld id="{FB15029A-EAF4-46E5-A5A0-8E8E4D5788BC}" type="datetimeFigureOut">
               <a:rPr lang="en-IE" smtClean="0"/>
-              <a:t>11/12/2018</a:t>
+              <a:t>12/12/2018</a:t>
             </a:fld>
             <a:endParaRPr lang="en-IE"/>
           </a:p>
@@ -474,7 +473,7 @@
           <a:p>
             <a:fld id="{FB15029A-EAF4-46E5-A5A0-8E8E4D5788BC}" type="datetimeFigureOut">
               <a:rPr lang="en-IE" smtClean="0"/>
-              <a:t>11/12/2018</a:t>
+              <a:t>12/12/2018</a:t>
             </a:fld>
             <a:endParaRPr lang="en-IE"/>
           </a:p>
@@ -684,7 +683,7 @@
           <a:p>
             <a:fld id="{FB15029A-EAF4-46E5-A5A0-8E8E4D5788BC}" type="datetimeFigureOut">
               <a:rPr lang="en-IE" smtClean="0"/>
-              <a:t>11/12/2018</a:t>
+              <a:t>12/12/2018</a:t>
             </a:fld>
             <a:endParaRPr lang="en-IE"/>
           </a:p>
@@ -884,7 +883,7 @@
           <a:p>
             <a:fld id="{FB15029A-EAF4-46E5-A5A0-8E8E4D5788BC}" type="datetimeFigureOut">
               <a:rPr lang="en-IE" smtClean="0"/>
-              <a:t>11/12/2018</a:t>
+              <a:t>12/12/2018</a:t>
             </a:fld>
             <a:endParaRPr lang="en-IE"/>
           </a:p>
@@ -1160,7 +1159,7 @@
           <a:p>
             <a:fld id="{FB15029A-EAF4-46E5-A5A0-8E8E4D5788BC}" type="datetimeFigureOut">
               <a:rPr lang="en-IE" smtClean="0"/>
-              <a:t>11/12/2018</a:t>
+              <a:t>12/12/2018</a:t>
             </a:fld>
             <a:endParaRPr lang="en-IE"/>
           </a:p>
@@ -1428,7 +1427,7 @@
           <a:p>
             <a:fld id="{FB15029A-EAF4-46E5-A5A0-8E8E4D5788BC}" type="datetimeFigureOut">
               <a:rPr lang="en-IE" smtClean="0"/>
-              <a:t>11/12/2018</a:t>
+              <a:t>12/12/2018</a:t>
             </a:fld>
             <a:endParaRPr lang="en-IE"/>
           </a:p>
@@ -1843,7 +1842,7 @@
           <a:p>
             <a:fld id="{FB15029A-EAF4-46E5-A5A0-8E8E4D5788BC}" type="datetimeFigureOut">
               <a:rPr lang="en-IE" smtClean="0"/>
-              <a:t>11/12/2018</a:t>
+              <a:t>12/12/2018</a:t>
             </a:fld>
             <a:endParaRPr lang="en-IE"/>
           </a:p>
@@ -1985,7 +1984,7 @@
           <a:p>
             <a:fld id="{FB15029A-EAF4-46E5-A5A0-8E8E4D5788BC}" type="datetimeFigureOut">
               <a:rPr lang="en-IE" smtClean="0"/>
-              <a:t>11/12/2018</a:t>
+              <a:t>12/12/2018</a:t>
             </a:fld>
             <a:endParaRPr lang="en-IE"/>
           </a:p>
@@ -2098,7 +2097,7 @@
           <a:p>
             <a:fld id="{FB15029A-EAF4-46E5-A5A0-8E8E4D5788BC}" type="datetimeFigureOut">
               <a:rPr lang="en-IE" smtClean="0"/>
-              <a:t>11/12/2018</a:t>
+              <a:t>12/12/2018</a:t>
             </a:fld>
             <a:endParaRPr lang="en-IE"/>
           </a:p>
@@ -2411,7 +2410,7 @@
           <a:p>
             <a:fld id="{FB15029A-EAF4-46E5-A5A0-8E8E4D5788BC}" type="datetimeFigureOut">
               <a:rPr lang="en-IE" smtClean="0"/>
-              <a:t>11/12/2018</a:t>
+              <a:t>12/12/2018</a:t>
             </a:fld>
             <a:endParaRPr lang="en-IE"/>
           </a:p>
@@ -2700,7 +2699,7 @@
           <a:p>
             <a:fld id="{FB15029A-EAF4-46E5-A5A0-8E8E4D5788BC}" type="datetimeFigureOut">
               <a:rPr lang="en-IE" smtClean="0"/>
-              <a:t>11/12/2018</a:t>
+              <a:t>12/12/2018</a:t>
             </a:fld>
             <a:endParaRPr lang="en-IE"/>
           </a:p>
@@ -2943,7 +2942,7 @@
           <a:p>
             <a:fld id="{FB15029A-EAF4-46E5-A5A0-8E8E4D5788BC}" type="datetimeFigureOut">
               <a:rPr lang="en-IE" smtClean="0"/>
-              <a:t>11/12/2018</a:t>
+              <a:t>12/12/2018</a:t>
             </a:fld>
             <a:endParaRPr lang="en-IE"/>
           </a:p>
@@ -3463,7 +3462,7 @@
           <p:cNvPr id="2" name="Title 1">
             <a:extLst>
               <a:ext uri="{FF2B5EF4-FFF2-40B4-BE49-F238E27FC236}">
-                <a16:creationId xmlns:a16="http://schemas.microsoft.com/office/drawing/2014/main" id="{4CBB0E50-1314-4583-B117-0D704CE17465}"/>
+                <a16:creationId xmlns:a16="http://schemas.microsoft.com/office/drawing/2014/main" id="{02EB3D74-74E4-4454-BA44-F9DBD0F15591}"/>
               </a:ext>
             </a:extLst>
           </p:cNvPr>
@@ -3481,211 +3480,40 @@
           <a:p>
             <a:r>
               <a:rPr lang="en-IE" dirty="0"/>
-              <a:t>Database Tier Requirements</a:t>
-            </a:r>
-          </a:p>
-        </p:txBody>
-      </p:sp>
-      <p:graphicFrame>
-        <p:nvGraphicFramePr>
-          <p:cNvPr id="4" name="Content Placeholder 3">
-            <a:extLst>
-              <a:ext uri="{FF2B5EF4-FFF2-40B4-BE49-F238E27FC236}">
-                <a16:creationId xmlns:a16="http://schemas.microsoft.com/office/drawing/2014/main" id="{F99291EF-B91C-4CBD-9A2A-3D3128790D4F}"/>
-              </a:ext>
-            </a:extLst>
-          </p:cNvPr>
-          <p:cNvGraphicFramePr>
-            <a:graphicFrameLocks noGrp="1"/>
-          </p:cNvGraphicFramePr>
+              <a:t>Additional Services</a:t>
+            </a:r>
+          </a:p>
+        </p:txBody>
+      </p:sp>
+      <p:sp>
+        <p:nvSpPr>
+          <p:cNvPr id="3" name="Content Placeholder 2">
+            <a:extLst>
+              <a:ext uri="{FF2B5EF4-FFF2-40B4-BE49-F238E27FC236}">
+                <a16:creationId xmlns:a16="http://schemas.microsoft.com/office/drawing/2014/main" id="{ED6607E2-A592-4AA7-ACFB-55B3824793D4}"/>
+              </a:ext>
+            </a:extLst>
+          </p:cNvPr>
+          <p:cNvSpPr>
+            <a:spLocks noGrp="1"/>
+          </p:cNvSpPr>
           <p:nvPr>
             <p:ph idx="1"/>
-            <p:extLst>
-              <p:ext uri="{D42A27DB-BD31-4B8C-83A1-F6EECF244321}">
-                <p14:modId xmlns:p14="http://schemas.microsoft.com/office/powerpoint/2010/main" val="3359905136"/>
-              </p:ext>
-            </p:extLst>
-          </p:nvPr>
-        </p:nvGraphicFramePr>
-        <p:xfrm>
-          <a:off x="838200" y="1825625"/>
-          <a:ext cx="10515600" cy="2021840"/>
-        </p:xfrm>
-        <a:graphic>
-          <a:graphicData uri="http://schemas.openxmlformats.org/drawingml/2006/table">
-            <a:tbl>
-              <a:tblPr firstRow="1" bandRow="1">
-                <a:tableStyleId>{00A15C55-8517-42AA-B614-E9B94910E393}</a:tableStyleId>
-              </a:tblPr>
-              <a:tblGrid>
-                <a:gridCol w="5257800">
-                  <a:extLst>
-                    <a:ext uri="{9D8B030D-6E8A-4147-A177-3AD203B41FA5}">
-                      <a16:colId xmlns:a16="http://schemas.microsoft.com/office/drawing/2014/main" val="4134314619"/>
-                    </a:ext>
-                  </a:extLst>
-                </a:gridCol>
-                <a:gridCol w="5257800">
-                  <a:extLst>
-                    <a:ext uri="{9D8B030D-6E8A-4147-A177-3AD203B41FA5}">
-                      <a16:colId xmlns:a16="http://schemas.microsoft.com/office/drawing/2014/main" val="315030494"/>
-                    </a:ext>
-                  </a:extLst>
-                </a:gridCol>
-              </a:tblGrid>
-              <a:tr h="370840">
-                <a:tc>
-                  <a:txBody>
-                    <a:bodyPr/>
-                    <a:lstStyle/>
-                    <a:p>
-                      <a:r>
-                        <a:rPr lang="en-IE" dirty="0">
-                          <a:solidFill>
-                            <a:schemeClr val="tx1"/>
-                          </a:solidFill>
-                        </a:rPr>
-                        <a:t>Requirements</a:t>
-                      </a:r>
-                    </a:p>
-                  </a:txBody>
-                  <a:tcPr/>
-                </a:tc>
-                <a:tc>
-                  <a:txBody>
-                    <a:bodyPr/>
-                    <a:lstStyle/>
-                    <a:p>
-                      <a:r>
-                        <a:rPr lang="en-IE" dirty="0">
-                          <a:solidFill>
-                            <a:schemeClr val="tx1"/>
-                          </a:solidFill>
-                        </a:rPr>
-                        <a:t>Solution</a:t>
-                      </a:r>
-                    </a:p>
-                  </a:txBody>
-                  <a:tcPr/>
-                </a:tc>
-                <a:extLst>
-                  <a:ext uri="{0D108BD9-81ED-4DB2-BD59-A6C34878D82A}">
-                    <a16:rowId xmlns:a16="http://schemas.microsoft.com/office/drawing/2014/main" val="1561589864"/>
-                  </a:ext>
-                </a:extLst>
-              </a:tr>
-              <a:tr h="370840">
-                <a:tc>
-                  <a:txBody>
-                    <a:bodyPr/>
-                    <a:lstStyle/>
-                    <a:p>
-                      <a:r>
-                        <a:rPr lang="en-IE" dirty="0"/>
-                        <a:t>Database needs consistent storage</a:t>
-                      </a:r>
-                    </a:p>
-                    <a:p>
-                      <a:r>
-                        <a:rPr lang="en-IE" dirty="0"/>
-                        <a:t>performance at 21,000 IOPS.</a:t>
-                      </a:r>
-                    </a:p>
-                  </a:txBody>
-                  <a:tcPr/>
-                </a:tc>
-                <a:tc>
-                  <a:txBody>
-                    <a:bodyPr/>
-                    <a:lstStyle/>
-                    <a:p>
-                      <a:endParaRPr lang="en-IE"/>
-                    </a:p>
-                  </a:txBody>
-                  <a:tcPr/>
-                </a:tc>
-                <a:extLst>
-                  <a:ext uri="{0D108BD9-81ED-4DB2-BD59-A6C34878D82A}">
-                    <a16:rowId xmlns:a16="http://schemas.microsoft.com/office/drawing/2014/main" val="1315309221"/>
-                  </a:ext>
-                </a:extLst>
-              </a:tr>
-              <a:tr h="370840">
-                <a:tc>
-                  <a:txBody>
-                    <a:bodyPr/>
-                    <a:lstStyle/>
-                    <a:p>
-                      <a:r>
-                        <a:rPr lang="en-US" dirty="0"/>
-                        <a:t>High availability is a requirement.</a:t>
-                      </a:r>
-                      <a:endParaRPr lang="en-IE" dirty="0"/>
-                    </a:p>
-                  </a:txBody>
-                  <a:tcPr/>
-                </a:tc>
-                <a:tc>
-                  <a:txBody>
-                    <a:bodyPr/>
-                    <a:lstStyle/>
-                    <a:p>
-                      <a:endParaRPr lang="en-IE"/>
-                    </a:p>
-                  </a:txBody>
-                  <a:tcPr/>
-                </a:tc>
-                <a:extLst>
-                  <a:ext uri="{0D108BD9-81ED-4DB2-BD59-A6C34878D82A}">
-                    <a16:rowId xmlns:a16="http://schemas.microsoft.com/office/drawing/2014/main" val="536860129"/>
-                  </a:ext>
-                </a:extLst>
-              </a:tr>
-              <a:tr h="370840">
-                <a:tc>
-                  <a:txBody>
-                    <a:bodyPr/>
-                    <a:lstStyle/>
-                    <a:p>
-                      <a:r>
-                        <a:rPr lang="en-US" dirty="0"/>
-                        <a:t>No change to the database</a:t>
-                      </a:r>
-                    </a:p>
-                    <a:p>
-                      <a:r>
-                        <a:rPr lang="en-US" dirty="0"/>
-                        <a:t>schema can be made at this time.</a:t>
-                      </a:r>
-                      <a:endParaRPr lang="en-IE" dirty="0"/>
-                    </a:p>
-                  </a:txBody>
-                  <a:tcPr/>
-                </a:tc>
-                <a:tc>
-                  <a:txBody>
-                    <a:bodyPr/>
-                    <a:lstStyle/>
-                    <a:p>
-                      <a:endParaRPr lang="en-IE" dirty="0"/>
-                    </a:p>
-                  </a:txBody>
-                  <a:tcPr/>
-                </a:tc>
-                <a:extLst>
-                  <a:ext uri="{0D108BD9-81ED-4DB2-BD59-A6C34878D82A}">
-                    <a16:rowId xmlns:a16="http://schemas.microsoft.com/office/drawing/2014/main" val="2655941878"/>
-                  </a:ext>
-                </a:extLst>
-              </a:tr>
-            </a:tbl>
-          </a:graphicData>
-        </a:graphic>
-      </p:graphicFrame>
+          </p:nvPr>
+        </p:nvSpPr>
+        <p:spPr/>
+        <p:txBody>
+          <a:bodyPr/>
+          <a:lstStyle/>
+          <a:p>
+            <a:endParaRPr lang="en-IE"/>
+          </a:p>
+        </p:txBody>
+      </p:sp>
     </p:spTree>
     <p:extLst>
       <p:ext uri="{BB962C8B-B14F-4D97-AF65-F5344CB8AC3E}">
-        <p14:creationId xmlns:p14="http://schemas.microsoft.com/office/powerpoint/2010/main" val="940885560"/>
+        <p14:creationId xmlns:p14="http://schemas.microsoft.com/office/powerpoint/2010/main" val="3110543054"/>
       </p:ext>
     </p:extLst>
   </p:cSld>
@@ -3717,7 +3545,7 @@
           <p:cNvPr id="2" name="Title 1">
             <a:extLst>
               <a:ext uri="{FF2B5EF4-FFF2-40B4-BE49-F238E27FC236}">
-                <a16:creationId xmlns:a16="http://schemas.microsoft.com/office/drawing/2014/main" id="{02EB3D74-74E4-4454-BA44-F9DBD0F15591}"/>
+                <a16:creationId xmlns:a16="http://schemas.microsoft.com/office/drawing/2014/main" id="{8C946225-C872-49EA-94A5-D25D6892CF70}"/>
               </a:ext>
             </a:extLst>
           </p:cNvPr>
@@ -3735,7 +3563,7 @@
           <a:p>
             <a:r>
               <a:rPr lang="en-IE" dirty="0"/>
-              <a:t>Additional Services</a:t>
+              <a:t>Cost Considerations</a:t>
             </a:r>
           </a:p>
         </p:txBody>
@@ -3745,7 +3573,7 @@
           <p:cNvPr id="3" name="Content Placeholder 2">
             <a:extLst>
               <a:ext uri="{FF2B5EF4-FFF2-40B4-BE49-F238E27FC236}">
-                <a16:creationId xmlns:a16="http://schemas.microsoft.com/office/drawing/2014/main" id="{ED6607E2-A592-4AA7-ACFB-55B3824793D4}"/>
+                <a16:creationId xmlns:a16="http://schemas.microsoft.com/office/drawing/2014/main" id="{08783D73-0117-40B0-A657-76DEAC211002}"/>
               </a:ext>
             </a:extLst>
           </p:cNvPr>
@@ -3761,14 +3589,14 @@
           <a:bodyPr/>
           <a:lstStyle/>
           <a:p>
-            <a:endParaRPr lang="en-IE"/>
+            <a:endParaRPr lang="en-IE" dirty="0"/>
           </a:p>
         </p:txBody>
       </p:sp>
     </p:spTree>
     <p:extLst>
       <p:ext uri="{BB962C8B-B14F-4D97-AF65-F5344CB8AC3E}">
-        <p14:creationId xmlns:p14="http://schemas.microsoft.com/office/powerpoint/2010/main" val="3110543054"/>
+        <p14:creationId xmlns:p14="http://schemas.microsoft.com/office/powerpoint/2010/main" val="2230055951"/>
       </p:ext>
     </p:extLst>
   </p:cSld>
@@ -3800,89 +3628,6 @@
           <p:cNvPr id="2" name="Title 1">
             <a:extLst>
               <a:ext uri="{FF2B5EF4-FFF2-40B4-BE49-F238E27FC236}">
-                <a16:creationId xmlns:a16="http://schemas.microsoft.com/office/drawing/2014/main" id="{8C946225-C872-49EA-94A5-D25D6892CF70}"/>
-              </a:ext>
-            </a:extLst>
-          </p:cNvPr>
-          <p:cNvSpPr>
-            <a:spLocks noGrp="1"/>
-          </p:cNvSpPr>
-          <p:nvPr>
-            <p:ph type="title"/>
-          </p:nvPr>
-        </p:nvSpPr>
-        <p:spPr/>
-        <p:txBody>
-          <a:bodyPr/>
-          <a:lstStyle/>
-          <a:p>
-            <a:r>
-              <a:rPr lang="en-IE" dirty="0"/>
-              <a:t>Cost Considerations</a:t>
-            </a:r>
-          </a:p>
-        </p:txBody>
-      </p:sp>
-      <p:sp>
-        <p:nvSpPr>
-          <p:cNvPr id="3" name="Content Placeholder 2">
-            <a:extLst>
-              <a:ext uri="{FF2B5EF4-FFF2-40B4-BE49-F238E27FC236}">
-                <a16:creationId xmlns:a16="http://schemas.microsoft.com/office/drawing/2014/main" id="{08783D73-0117-40B0-A657-76DEAC211002}"/>
-              </a:ext>
-            </a:extLst>
-          </p:cNvPr>
-          <p:cNvSpPr>
-            <a:spLocks noGrp="1"/>
-          </p:cNvSpPr>
-          <p:nvPr>
-            <p:ph idx="1"/>
-          </p:nvPr>
-        </p:nvSpPr>
-        <p:spPr/>
-        <p:txBody>
-          <a:bodyPr/>
-          <a:lstStyle/>
-          <a:p>
-            <a:endParaRPr lang="en-IE" dirty="0"/>
-          </a:p>
-        </p:txBody>
-      </p:sp>
-    </p:spTree>
-    <p:extLst>
-      <p:ext uri="{BB962C8B-B14F-4D97-AF65-F5344CB8AC3E}">
-        <p14:creationId xmlns:p14="http://schemas.microsoft.com/office/powerpoint/2010/main" val="2230055951"/>
-      </p:ext>
-    </p:extLst>
-  </p:cSld>
-  <p:clrMapOvr>
-    <a:masterClrMapping/>
-  </p:clrMapOvr>
-</p:sld>
-</file>
-
-<file path=ppt/slides/slide13.xml><?xml version="1.0" encoding="utf-8"?>
-<p:sld xmlns:a="http://schemas.openxmlformats.org/drawingml/2006/main" xmlns:r="http://schemas.openxmlformats.org/officeDocument/2006/relationships" xmlns:p="http://schemas.openxmlformats.org/presentationml/2006/main">
-  <p:cSld>
-    <p:spTree>
-      <p:nvGrpSpPr>
-        <p:cNvPr id="1" name=""/>
-        <p:cNvGrpSpPr/>
-        <p:nvPr/>
-      </p:nvGrpSpPr>
-      <p:grpSpPr>
-        <a:xfrm>
-          <a:off x="0" y="0"/>
-          <a:ext cx="0" cy="0"/>
-          <a:chOff x="0" y="0"/>
-          <a:chExt cx="0" cy="0"/>
-        </a:xfrm>
-      </p:grpSpPr>
-      <p:sp>
-        <p:nvSpPr>
-          <p:cNvPr id="2" name="Title 1">
-            <a:extLst>
-              <a:ext uri="{FF2B5EF4-FFF2-40B4-BE49-F238E27FC236}">
                 <a16:creationId xmlns:a16="http://schemas.microsoft.com/office/drawing/2014/main" id="{1D48DEC2-528A-4F9F-9234-3E7EF5A2D6A3}"/>
               </a:ext>
             </a:extLst>
@@ -3944,7 +3689,7 @@
 </p:sld>
 </file>
 
-<file path=ppt/slides/slide14.xml><?xml version="1.0" encoding="utf-8"?>
+<file path=ppt/slides/slide13.xml><?xml version="1.0" encoding="utf-8"?>
 <p:sld xmlns:a="http://schemas.openxmlformats.org/drawingml/2006/main" xmlns:r="http://schemas.openxmlformats.org/officeDocument/2006/relationships" xmlns:p="http://schemas.openxmlformats.org/presentationml/2006/main">
   <p:cSld>
     <p:spTree>
@@ -5191,7 +4936,12 @@
             <p:ph type="title"/>
           </p:nvPr>
         </p:nvSpPr>
-        <p:spPr/>
+        <p:spPr>
+          <a:xfrm>
+            <a:off x="838200" y="162824"/>
+            <a:ext cx="10515600" cy="1325563"/>
+          </a:xfrm>
+        </p:spPr>
         <p:txBody>
           <a:bodyPr/>
           <a:lstStyle/>
@@ -5219,13 +4969,13 @@
             <p:ph idx="1"/>
             <p:extLst>
               <p:ext uri="{D42A27DB-BD31-4B8C-83A1-F6EECF244321}">
-                <p14:modId xmlns:p14="http://schemas.microsoft.com/office/powerpoint/2010/main" val="890339126"/>
+                <p14:modId xmlns:p14="http://schemas.microsoft.com/office/powerpoint/2010/main" val="3816392166"/>
               </p:ext>
             </p:extLst>
           </p:nvPr>
         </p:nvGraphicFramePr>
         <p:xfrm>
-          <a:off x="838200" y="1825625"/>
+          <a:off x="838200" y="1283459"/>
           <a:ext cx="10515600" cy="1854200"/>
         </p:xfrm>
         <a:graphic>
@@ -5598,14 +5348,14 @@
           <p:nvPr>
             <p:extLst>
               <p:ext uri="{D42A27DB-BD31-4B8C-83A1-F6EECF244321}">
-                <p14:modId xmlns:p14="http://schemas.microsoft.com/office/powerpoint/2010/main" val="3183614028"/>
+                <p14:modId xmlns:p14="http://schemas.microsoft.com/office/powerpoint/2010/main" val="2112408047"/>
               </p:ext>
             </p:extLst>
           </p:nvPr>
         </p:nvGraphicFramePr>
         <p:xfrm>
-          <a:off x="1759439" y="4175043"/>
-          <a:ext cx="8128000" cy="1854200"/>
+          <a:off x="1125178" y="3435069"/>
+          <a:ext cx="9941644" cy="1854200"/>
         </p:xfrm>
         <a:graphic>
           <a:graphicData uri="http://schemas.openxmlformats.org/drawingml/2006/table">
@@ -5614,14 +5364,14 @@
                 <a:tableStyleId>{00A15C55-8517-42AA-B614-E9B94910E393}</a:tableStyleId>
               </a:tblPr>
               <a:tblGrid>
-                <a:gridCol w="4064000">
+                <a:gridCol w="3111966">
                   <a:extLst>
                     <a:ext uri="{9D8B030D-6E8A-4147-A177-3AD203B41FA5}">
                       <a16:colId xmlns:a16="http://schemas.microsoft.com/office/drawing/2014/main" val="3125204443"/>
                     </a:ext>
                   </a:extLst>
                 </a:gridCol>
-                <a:gridCol w="4064000">
+                <a:gridCol w="6829678">
                   <a:extLst>
                     <a:ext uri="{9D8B030D-6E8A-4147-A177-3AD203B41FA5}">
                       <a16:colId xmlns:a16="http://schemas.microsoft.com/office/drawing/2014/main" val="2080023003"/>
@@ -5676,17 +5426,23 @@
                     <a:bodyPr/>
                     <a:lstStyle/>
                     <a:p>
-                      <a:endParaRPr lang="en-IE"/>
-                    </a:p>
-                  </a:txBody>
-                  <a:tcPr/>
-                </a:tc>
-                <a:tc>
-                  <a:txBody>
-                    <a:bodyPr/>
-                    <a:lstStyle/>
-                    <a:p>
-                      <a:endParaRPr lang="en-IE"/>
+                      <a:r>
+                        <a:rPr lang="en-IE" dirty="0"/>
+                        <a:t>VPC Route Table</a:t>
+                      </a:r>
+                    </a:p>
+                  </a:txBody>
+                  <a:tcPr/>
+                </a:tc>
+                <a:tc>
+                  <a:txBody>
+                    <a:bodyPr/>
+                    <a:lstStyle/>
+                    <a:p>
+                      <a:r>
+                        <a:rPr lang="en-IE" dirty="0"/>
+                        <a:t>Ensuring the specific traffic are routed to their designated locations</a:t>
+                      </a:r>
                     </a:p>
                   </a:txBody>
                   <a:tcPr/>
@@ -5703,17 +5459,17 @@
                     <a:bodyPr/>
                     <a:lstStyle/>
                     <a:p>
-                      <a:endParaRPr lang="en-IE"/>
-                    </a:p>
-                  </a:txBody>
-                  <a:tcPr/>
-                </a:tc>
-                <a:tc>
-                  <a:txBody>
-                    <a:bodyPr/>
-                    <a:lstStyle/>
-                    <a:p>
-                      <a:endParaRPr lang="en-IE"/>
+                      <a:endParaRPr lang="en-IE" dirty="0"/>
+                    </a:p>
+                  </a:txBody>
+                  <a:tcPr/>
+                </a:tc>
+                <a:tc>
+                  <a:txBody>
+                    <a:bodyPr/>
+                    <a:lstStyle/>
+                    <a:p>
+                      <a:endParaRPr lang="en-IE" dirty="0"/>
                     </a:p>
                   </a:txBody>
                   <a:tcPr/>
@@ -5757,7 +5513,7 @@
                     <a:bodyPr/>
                     <a:lstStyle/>
                     <a:p>
-                      <a:endParaRPr lang="en-IE"/>
+                      <a:endParaRPr lang="en-IE" dirty="0"/>
                     </a:p>
                   </a:txBody>
                   <a:tcPr/>
@@ -6616,7 +6372,7 @@
         </p:nvSpPr>
         <p:spPr>
           <a:xfrm>
-            <a:off x="838200" y="365126"/>
+            <a:off x="838200" y="98088"/>
             <a:ext cx="10515600" cy="1285650"/>
           </a:xfrm>
         </p:spPr>
@@ -6649,7 +6405,7 @@
         </p:nvSpPr>
         <p:spPr>
           <a:xfrm>
-            <a:off x="838200" y="1825625"/>
+            <a:off x="838200" y="1105434"/>
             <a:ext cx="10515600" cy="1192704"/>
           </a:xfrm>
         </p:spPr>
@@ -6668,7 +6424,7 @@
             </a:pPr>
             <a:r>
               <a:rPr lang="en-US" sz="2000" dirty="0"/>
-              <a:t>Since all the servers working are virtual / Software rather then hardware, We can create images dynamically every four hours</a:t>
+              <a:t>Since all the servers that the users are connecting to are stateless, We can create images dynamically every four hours</a:t>
             </a:r>
             <a:r>
               <a:rPr lang="en-GB" sz="2000" dirty="0"/>
@@ -6680,6 +6436,218 @@
           </a:p>
         </p:txBody>
       </p:sp>
+      <p:sp>
+        <p:nvSpPr>
+          <p:cNvPr id="4" name="Title 1">
+            <a:extLst>
+              <a:ext uri="{FF2B5EF4-FFF2-40B4-BE49-F238E27FC236}">
+                <a16:creationId xmlns:a16="http://schemas.microsoft.com/office/drawing/2014/main" id="{5BE7958F-A811-4D34-97C3-E63AB839A7BE}"/>
+              </a:ext>
+            </a:extLst>
+          </p:cNvPr>
+          <p:cNvSpPr txBox="1">
+            <a:spLocks/>
+          </p:cNvSpPr>
+          <p:nvPr/>
+        </p:nvSpPr>
+        <p:spPr>
+          <a:xfrm>
+            <a:off x="838200" y="2298138"/>
+            <a:ext cx="10515600" cy="1325563"/>
+          </a:xfrm>
+          <a:prstGeom prst="rect">
+            <a:avLst/>
+          </a:prstGeom>
+        </p:spPr>
+        <p:txBody>
+          <a:bodyPr vert="horz" lIns="91440" tIns="45720" rIns="91440" bIns="45720" rtlCol="0" anchor="ctr">
+            <a:normAutofit/>
+          </a:bodyPr>
+          <a:lstStyle>
+            <a:lvl1pPr algn="l" defTabSz="914400" rtl="0" eaLnBrk="1" latinLnBrk="0" hangingPunct="1">
+              <a:lnSpc>
+                <a:spcPct val="90000"/>
+              </a:lnSpc>
+              <a:spcBef>
+                <a:spcPct val="0"/>
+              </a:spcBef>
+              <a:buNone/>
+              <a:defRPr sz="4400" kern="1200">
+                <a:solidFill>
+                  <a:schemeClr val="tx1"/>
+                </a:solidFill>
+                <a:latin typeface="+mj-lt"/>
+                <a:ea typeface="+mj-ea"/>
+                <a:cs typeface="+mj-cs"/>
+              </a:defRPr>
+            </a:lvl1pPr>
+          </a:lstStyle>
+          <a:p>
+            <a:r>
+              <a:rPr lang="en-IE"/>
+              <a:t>Document Storage</a:t>
+            </a:r>
+            <a:endParaRPr lang="en-IE" dirty="0"/>
+          </a:p>
+        </p:txBody>
+      </p:sp>
+      <p:graphicFrame>
+        <p:nvGraphicFramePr>
+          <p:cNvPr id="5" name="Content Placeholder 3">
+            <a:extLst>
+              <a:ext uri="{FF2B5EF4-FFF2-40B4-BE49-F238E27FC236}">
+                <a16:creationId xmlns:a16="http://schemas.microsoft.com/office/drawing/2014/main" id="{66382B1E-95E8-4968-8316-1ED2D9A3D41A}"/>
+              </a:ext>
+            </a:extLst>
+          </p:cNvPr>
+          <p:cNvGraphicFramePr>
+            <a:graphicFrameLocks/>
+          </p:cNvGraphicFramePr>
+          <p:nvPr>
+            <p:extLst>
+              <p:ext uri="{D42A27DB-BD31-4B8C-83A1-F6EECF244321}">
+                <p14:modId xmlns:p14="http://schemas.microsoft.com/office/powerpoint/2010/main" val="4220191018"/>
+              </p:ext>
+            </p:extLst>
+          </p:nvPr>
+        </p:nvGraphicFramePr>
+        <p:xfrm>
+          <a:off x="838200" y="3429000"/>
+          <a:ext cx="10515600" cy="2748280"/>
+        </p:xfrm>
+        <a:graphic>
+          <a:graphicData uri="http://schemas.openxmlformats.org/drawingml/2006/table">
+            <a:tbl>
+              <a:tblPr firstRow="1" bandRow="1">
+                <a:tableStyleId>{00A15C55-8517-42AA-B614-E9B94910E393}</a:tableStyleId>
+              </a:tblPr>
+              <a:tblGrid>
+                <a:gridCol w="5257800">
+                  <a:extLst>
+                    <a:ext uri="{9D8B030D-6E8A-4147-A177-3AD203B41FA5}">
+                      <a16:colId xmlns:a16="http://schemas.microsoft.com/office/drawing/2014/main" val="1841529997"/>
+                    </a:ext>
+                  </a:extLst>
+                </a:gridCol>
+                <a:gridCol w="5257800">
+                  <a:extLst>
+                    <a:ext uri="{9D8B030D-6E8A-4147-A177-3AD203B41FA5}">
+                      <a16:colId xmlns:a16="http://schemas.microsoft.com/office/drawing/2014/main" val="1026887728"/>
+                    </a:ext>
+                  </a:extLst>
+                </a:gridCol>
+              </a:tblGrid>
+              <a:tr h="370840">
+                <a:tc>
+                  <a:txBody>
+                    <a:bodyPr/>
+                    <a:lstStyle/>
+                    <a:p>
+                      <a:r>
+                        <a:rPr lang="en-IE" dirty="0">
+                          <a:solidFill>
+                            <a:schemeClr val="tx1"/>
+                          </a:solidFill>
+                        </a:rPr>
+                        <a:t>Storage/Archive Options</a:t>
+                      </a:r>
+                    </a:p>
+                  </a:txBody>
+                  <a:tcPr/>
+                </a:tc>
+                <a:tc>
+                  <a:txBody>
+                    <a:bodyPr/>
+                    <a:lstStyle/>
+                    <a:p>
+                      <a:r>
+                        <a:rPr lang="en-IE" dirty="0">
+                          <a:solidFill>
+                            <a:schemeClr val="tx1"/>
+                          </a:solidFill>
+                        </a:rPr>
+                        <a:t>Detail</a:t>
+                      </a:r>
+                    </a:p>
+                  </a:txBody>
+                  <a:tcPr/>
+                </a:tc>
+                <a:extLst>
+                  <a:ext uri="{0D108BD9-81ED-4DB2-BD59-A6C34878D82A}">
+                    <a16:rowId xmlns:a16="http://schemas.microsoft.com/office/drawing/2014/main" val="4202060202"/>
+                  </a:ext>
+                </a:extLst>
+              </a:tr>
+              <a:tr h="370840">
+                <a:tc>
+                  <a:txBody>
+                    <a:bodyPr/>
+                    <a:lstStyle/>
+                    <a:p>
+                      <a:r>
+                        <a:rPr lang="en-IE" dirty="0"/>
+                        <a:t>Amazon S3</a:t>
+                      </a:r>
+                    </a:p>
+                  </a:txBody>
+                  <a:tcPr/>
+                </a:tc>
+                <a:tc>
+                  <a:txBody>
+                    <a:bodyPr/>
+                    <a:lstStyle/>
+                    <a:p>
+                      <a:r>
+                        <a:rPr lang="en-IE" dirty="0"/>
+                        <a:t>Store Pictures for three months as they are frequently requested during this time. A rule that after the three months are moved to Amazon Glacier for Long term storage</a:t>
+                      </a:r>
+                    </a:p>
+                  </a:txBody>
+                  <a:tcPr/>
+                </a:tc>
+                <a:extLst>
+                  <a:ext uri="{0D108BD9-81ED-4DB2-BD59-A6C34878D82A}">
+                    <a16:rowId xmlns:a16="http://schemas.microsoft.com/office/drawing/2014/main" val="1794644811"/>
+                  </a:ext>
+                </a:extLst>
+              </a:tr>
+              <a:tr h="370840">
+                <a:tc>
+                  <a:txBody>
+                    <a:bodyPr/>
+                    <a:lstStyle/>
+                    <a:p>
+                      <a:r>
+                        <a:rPr lang="en-IE" dirty="0"/>
+                        <a:t>Amazon Glacier</a:t>
+                      </a:r>
+                    </a:p>
+                  </a:txBody>
+                  <a:tcPr/>
+                </a:tc>
+                <a:tc>
+                  <a:txBody>
+                    <a:bodyPr/>
+                    <a:lstStyle/>
+                    <a:p>
+                      <a:r>
+                        <a:rPr lang="en-IE" dirty="0"/>
+                        <a:t>The storage details for pictures and documents for 4 years nine months. A Policy in delete them after the time length as they are no longer needed and would be outdated by that time</a:t>
+                      </a:r>
+                    </a:p>
+                  </a:txBody>
+                  <a:tcPr/>
+                </a:tc>
+                <a:extLst>
+                  <a:ext uri="{0D108BD9-81ED-4DB2-BD59-A6C34878D82A}">
+                    <a16:rowId xmlns:a16="http://schemas.microsoft.com/office/drawing/2014/main" val="3431883379"/>
+                  </a:ext>
+                </a:extLst>
+              </a:tr>
+            </a:tbl>
+          </a:graphicData>
+        </a:graphic>
+      </p:graphicFrame>
     </p:spTree>
     <p:extLst>
       <p:ext uri="{BB962C8B-B14F-4D97-AF65-F5344CB8AC3E}">
@@ -6715,215 +6683,6 @@
           <p:cNvPr id="2" name="Title 1">
             <a:extLst>
               <a:ext uri="{FF2B5EF4-FFF2-40B4-BE49-F238E27FC236}">
-                <a16:creationId xmlns:a16="http://schemas.microsoft.com/office/drawing/2014/main" id="{209AFA25-FD4C-4EA2-B92D-C9B8EBD0BF5E}"/>
-              </a:ext>
-            </a:extLst>
-          </p:cNvPr>
-          <p:cNvSpPr>
-            <a:spLocks noGrp="1"/>
-          </p:cNvSpPr>
-          <p:nvPr>
-            <p:ph type="title"/>
-          </p:nvPr>
-        </p:nvSpPr>
-        <p:spPr>
-          <a:xfrm>
-            <a:off x="611623" y="219469"/>
-            <a:ext cx="10515600" cy="1325563"/>
-          </a:xfrm>
-        </p:spPr>
-        <p:txBody>
-          <a:bodyPr/>
-          <a:lstStyle/>
-          <a:p>
-            <a:r>
-              <a:rPr lang="en-IE" dirty="0"/>
-              <a:t>Document Storage</a:t>
-            </a:r>
-          </a:p>
-        </p:txBody>
-      </p:sp>
-      <p:graphicFrame>
-        <p:nvGraphicFramePr>
-          <p:cNvPr id="4" name="Content Placeholder 3">
-            <a:extLst>
-              <a:ext uri="{FF2B5EF4-FFF2-40B4-BE49-F238E27FC236}">
-                <a16:creationId xmlns:a16="http://schemas.microsoft.com/office/drawing/2014/main" id="{2B862877-1D23-44C6-B3FB-E954B9CBC6D1}"/>
-              </a:ext>
-            </a:extLst>
-          </p:cNvPr>
-          <p:cNvGraphicFramePr>
-            <a:graphicFrameLocks noGrp="1"/>
-          </p:cNvGraphicFramePr>
-          <p:nvPr>
-            <p:ph idx="1"/>
-            <p:extLst>
-              <p:ext uri="{D42A27DB-BD31-4B8C-83A1-F6EECF244321}">
-                <p14:modId xmlns:p14="http://schemas.microsoft.com/office/powerpoint/2010/main" val="830246647"/>
-              </p:ext>
-            </p:extLst>
-          </p:nvPr>
-        </p:nvGraphicFramePr>
-        <p:xfrm>
-          <a:off x="838200" y="1825625"/>
-          <a:ext cx="10515600" cy="1112520"/>
-        </p:xfrm>
-        <a:graphic>
-          <a:graphicData uri="http://schemas.openxmlformats.org/drawingml/2006/table">
-            <a:tbl>
-              <a:tblPr firstRow="1" bandRow="1">
-                <a:tableStyleId>{00A15C55-8517-42AA-B614-E9B94910E393}</a:tableStyleId>
-              </a:tblPr>
-              <a:tblGrid>
-                <a:gridCol w="5257800">
-                  <a:extLst>
-                    <a:ext uri="{9D8B030D-6E8A-4147-A177-3AD203B41FA5}">
-                      <a16:colId xmlns:a16="http://schemas.microsoft.com/office/drawing/2014/main" val="1841529997"/>
-                    </a:ext>
-                  </a:extLst>
-                </a:gridCol>
-                <a:gridCol w="5257800">
-                  <a:extLst>
-                    <a:ext uri="{9D8B030D-6E8A-4147-A177-3AD203B41FA5}">
-                      <a16:colId xmlns:a16="http://schemas.microsoft.com/office/drawing/2014/main" val="1026887728"/>
-                    </a:ext>
-                  </a:extLst>
-                </a:gridCol>
-              </a:tblGrid>
-              <a:tr h="370840">
-                <a:tc>
-                  <a:txBody>
-                    <a:bodyPr/>
-                    <a:lstStyle/>
-                    <a:p>
-                      <a:r>
-                        <a:rPr lang="en-IE" dirty="0">
-                          <a:solidFill>
-                            <a:schemeClr val="tx1"/>
-                          </a:solidFill>
-                        </a:rPr>
-                        <a:t>Storage/Archive Options</a:t>
-                      </a:r>
-                    </a:p>
-                  </a:txBody>
-                  <a:tcPr/>
-                </a:tc>
-                <a:tc>
-                  <a:txBody>
-                    <a:bodyPr/>
-                    <a:lstStyle/>
-                    <a:p>
-                      <a:r>
-                        <a:rPr lang="en-IE" dirty="0">
-                          <a:solidFill>
-                            <a:schemeClr val="tx1"/>
-                          </a:solidFill>
-                        </a:rPr>
-                        <a:t>Detail</a:t>
-                      </a:r>
-                    </a:p>
-                  </a:txBody>
-                  <a:tcPr/>
-                </a:tc>
-                <a:extLst>
-                  <a:ext uri="{0D108BD9-81ED-4DB2-BD59-A6C34878D82A}">
-                    <a16:rowId xmlns:a16="http://schemas.microsoft.com/office/drawing/2014/main" val="4202060202"/>
-                  </a:ext>
-                </a:extLst>
-              </a:tr>
-              <a:tr h="370840">
-                <a:tc>
-                  <a:txBody>
-                    <a:bodyPr/>
-                    <a:lstStyle/>
-                    <a:p>
-                      <a:endParaRPr lang="en-IE"/>
-                    </a:p>
-                  </a:txBody>
-                  <a:tcPr/>
-                </a:tc>
-                <a:tc>
-                  <a:txBody>
-                    <a:bodyPr/>
-                    <a:lstStyle/>
-                    <a:p>
-                      <a:endParaRPr lang="en-IE" dirty="0"/>
-                    </a:p>
-                  </a:txBody>
-                  <a:tcPr/>
-                </a:tc>
-                <a:extLst>
-                  <a:ext uri="{0D108BD9-81ED-4DB2-BD59-A6C34878D82A}">
-                    <a16:rowId xmlns:a16="http://schemas.microsoft.com/office/drawing/2014/main" val="1794644811"/>
-                  </a:ext>
-                </a:extLst>
-              </a:tr>
-              <a:tr h="370840">
-                <a:tc>
-                  <a:txBody>
-                    <a:bodyPr/>
-                    <a:lstStyle/>
-                    <a:p>
-                      <a:endParaRPr lang="en-IE"/>
-                    </a:p>
-                  </a:txBody>
-                  <a:tcPr/>
-                </a:tc>
-                <a:tc>
-                  <a:txBody>
-                    <a:bodyPr/>
-                    <a:lstStyle/>
-                    <a:p>
-                      <a:endParaRPr lang="en-IE" dirty="0"/>
-                    </a:p>
-                  </a:txBody>
-                  <a:tcPr/>
-                </a:tc>
-                <a:extLst>
-                  <a:ext uri="{0D108BD9-81ED-4DB2-BD59-A6C34878D82A}">
-                    <a16:rowId xmlns:a16="http://schemas.microsoft.com/office/drawing/2014/main" val="3431883379"/>
-                  </a:ext>
-                </a:extLst>
-              </a:tr>
-            </a:tbl>
-          </a:graphicData>
-        </a:graphic>
-      </p:graphicFrame>
-    </p:spTree>
-    <p:extLst>
-      <p:ext uri="{BB962C8B-B14F-4D97-AF65-F5344CB8AC3E}">
-        <p14:creationId xmlns:p14="http://schemas.microsoft.com/office/powerpoint/2010/main" val="88710002"/>
-      </p:ext>
-    </p:extLst>
-  </p:cSld>
-  <p:clrMapOvr>
-    <a:masterClrMapping/>
-  </p:clrMapOvr>
-</p:sld>
-</file>
-
-<file path=ppt/slides/slide8.xml><?xml version="1.0" encoding="utf-8"?>
-<p:sld xmlns:a="http://schemas.openxmlformats.org/drawingml/2006/main" xmlns:r="http://schemas.openxmlformats.org/officeDocument/2006/relationships" xmlns:p="http://schemas.openxmlformats.org/presentationml/2006/main">
-  <p:cSld>
-    <p:spTree>
-      <p:nvGrpSpPr>
-        <p:cNvPr id="1" name=""/>
-        <p:cNvGrpSpPr/>
-        <p:nvPr/>
-      </p:nvGrpSpPr>
-      <p:grpSpPr>
-        <a:xfrm>
-          <a:off x="0" y="0"/>
-          <a:ext cx="0" cy="0"/>
-          <a:chOff x="0" y="0"/>
-          <a:chExt cx="0" cy="0"/>
-        </a:xfrm>
-      </p:grpSpPr>
-      <p:sp>
-        <p:nvSpPr>
-          <p:cNvPr id="2" name="Title 1">
-            <a:extLst>
-              <a:ext uri="{FF2B5EF4-FFF2-40B4-BE49-F238E27FC236}">
                 <a16:creationId xmlns:a16="http://schemas.microsoft.com/office/drawing/2014/main" id="{FC41CBC4-1352-4E85-B022-78EB21B9778D}"/>
               </a:ext>
             </a:extLst>
@@ -7193,7 +6952,7 @@
 </p:sld>
 </file>
 
-<file path=ppt/slides/slide9.xml><?xml version="1.0" encoding="utf-8"?>
+<file path=ppt/slides/slide8.xml><?xml version="1.0" encoding="utf-8"?>
 <p:sld xmlns:a="http://schemas.openxmlformats.org/drawingml/2006/main" xmlns:r="http://schemas.openxmlformats.org/officeDocument/2006/relationships" xmlns:p="http://schemas.openxmlformats.org/presentationml/2006/main">
   <p:cSld>
     <p:spTree>
@@ -7474,6 +7233,260 @@
     <p:extLst>
       <p:ext uri="{BB962C8B-B14F-4D97-AF65-F5344CB8AC3E}">
         <p14:creationId xmlns:p14="http://schemas.microsoft.com/office/powerpoint/2010/main" val="521529428"/>
+      </p:ext>
+    </p:extLst>
+  </p:cSld>
+  <p:clrMapOvr>
+    <a:masterClrMapping/>
+  </p:clrMapOvr>
+</p:sld>
+</file>
+
+<file path=ppt/slides/slide9.xml><?xml version="1.0" encoding="utf-8"?>
+<p:sld xmlns:a="http://schemas.openxmlformats.org/drawingml/2006/main" xmlns:r="http://schemas.openxmlformats.org/officeDocument/2006/relationships" xmlns:p="http://schemas.openxmlformats.org/presentationml/2006/main">
+  <p:cSld>
+    <p:spTree>
+      <p:nvGrpSpPr>
+        <p:cNvPr id="1" name=""/>
+        <p:cNvGrpSpPr/>
+        <p:nvPr/>
+      </p:nvGrpSpPr>
+      <p:grpSpPr>
+        <a:xfrm>
+          <a:off x="0" y="0"/>
+          <a:ext cx="0" cy="0"/>
+          <a:chOff x="0" y="0"/>
+          <a:chExt cx="0" cy="0"/>
+        </a:xfrm>
+      </p:grpSpPr>
+      <p:sp>
+        <p:nvSpPr>
+          <p:cNvPr id="2" name="Title 1">
+            <a:extLst>
+              <a:ext uri="{FF2B5EF4-FFF2-40B4-BE49-F238E27FC236}">
+                <a16:creationId xmlns:a16="http://schemas.microsoft.com/office/drawing/2014/main" id="{4CBB0E50-1314-4583-B117-0D704CE17465}"/>
+              </a:ext>
+            </a:extLst>
+          </p:cNvPr>
+          <p:cNvSpPr>
+            <a:spLocks noGrp="1"/>
+          </p:cNvSpPr>
+          <p:nvPr>
+            <p:ph type="title"/>
+          </p:nvPr>
+        </p:nvSpPr>
+        <p:spPr/>
+        <p:txBody>
+          <a:bodyPr/>
+          <a:lstStyle/>
+          <a:p>
+            <a:r>
+              <a:rPr lang="en-IE" dirty="0"/>
+              <a:t>Database Tier Requirements</a:t>
+            </a:r>
+          </a:p>
+        </p:txBody>
+      </p:sp>
+      <p:graphicFrame>
+        <p:nvGraphicFramePr>
+          <p:cNvPr id="4" name="Content Placeholder 3">
+            <a:extLst>
+              <a:ext uri="{FF2B5EF4-FFF2-40B4-BE49-F238E27FC236}">
+                <a16:creationId xmlns:a16="http://schemas.microsoft.com/office/drawing/2014/main" id="{F99291EF-B91C-4CBD-9A2A-3D3128790D4F}"/>
+              </a:ext>
+            </a:extLst>
+          </p:cNvPr>
+          <p:cNvGraphicFramePr>
+            <a:graphicFrameLocks noGrp="1"/>
+          </p:cNvGraphicFramePr>
+          <p:nvPr>
+            <p:ph idx="1"/>
+            <p:extLst>
+              <p:ext uri="{D42A27DB-BD31-4B8C-83A1-F6EECF244321}">
+                <p14:modId xmlns:p14="http://schemas.microsoft.com/office/powerpoint/2010/main" val="3359905136"/>
+              </p:ext>
+            </p:extLst>
+          </p:nvPr>
+        </p:nvGraphicFramePr>
+        <p:xfrm>
+          <a:off x="838200" y="1825625"/>
+          <a:ext cx="10515600" cy="2021840"/>
+        </p:xfrm>
+        <a:graphic>
+          <a:graphicData uri="http://schemas.openxmlformats.org/drawingml/2006/table">
+            <a:tbl>
+              <a:tblPr firstRow="1" bandRow="1">
+                <a:tableStyleId>{00A15C55-8517-42AA-B614-E9B94910E393}</a:tableStyleId>
+              </a:tblPr>
+              <a:tblGrid>
+                <a:gridCol w="5257800">
+                  <a:extLst>
+                    <a:ext uri="{9D8B030D-6E8A-4147-A177-3AD203B41FA5}">
+                      <a16:colId xmlns:a16="http://schemas.microsoft.com/office/drawing/2014/main" val="4134314619"/>
+                    </a:ext>
+                  </a:extLst>
+                </a:gridCol>
+                <a:gridCol w="5257800">
+                  <a:extLst>
+                    <a:ext uri="{9D8B030D-6E8A-4147-A177-3AD203B41FA5}">
+                      <a16:colId xmlns:a16="http://schemas.microsoft.com/office/drawing/2014/main" val="315030494"/>
+                    </a:ext>
+                  </a:extLst>
+                </a:gridCol>
+              </a:tblGrid>
+              <a:tr h="370840">
+                <a:tc>
+                  <a:txBody>
+                    <a:bodyPr/>
+                    <a:lstStyle/>
+                    <a:p>
+                      <a:r>
+                        <a:rPr lang="en-IE" dirty="0">
+                          <a:solidFill>
+                            <a:schemeClr val="tx1"/>
+                          </a:solidFill>
+                        </a:rPr>
+                        <a:t>Requirements</a:t>
+                      </a:r>
+                    </a:p>
+                  </a:txBody>
+                  <a:tcPr/>
+                </a:tc>
+                <a:tc>
+                  <a:txBody>
+                    <a:bodyPr/>
+                    <a:lstStyle/>
+                    <a:p>
+                      <a:r>
+                        <a:rPr lang="en-IE" dirty="0">
+                          <a:solidFill>
+                            <a:schemeClr val="tx1"/>
+                          </a:solidFill>
+                        </a:rPr>
+                        <a:t>Solution</a:t>
+                      </a:r>
+                    </a:p>
+                  </a:txBody>
+                  <a:tcPr/>
+                </a:tc>
+                <a:extLst>
+                  <a:ext uri="{0D108BD9-81ED-4DB2-BD59-A6C34878D82A}">
+                    <a16:rowId xmlns:a16="http://schemas.microsoft.com/office/drawing/2014/main" val="1561589864"/>
+                  </a:ext>
+                </a:extLst>
+              </a:tr>
+              <a:tr h="370840">
+                <a:tc>
+                  <a:txBody>
+                    <a:bodyPr/>
+                    <a:lstStyle/>
+                    <a:p>
+                      <a:r>
+                        <a:rPr lang="en-IE" dirty="0"/>
+                        <a:t>Database needs consistent storage</a:t>
+                      </a:r>
+                    </a:p>
+                    <a:p>
+                      <a:r>
+                        <a:rPr lang="en-IE" dirty="0"/>
+                        <a:t>performance at 21,000 IOPS.</a:t>
+                      </a:r>
+                    </a:p>
+                  </a:txBody>
+                  <a:tcPr/>
+                </a:tc>
+                <a:tc>
+                  <a:txBody>
+                    <a:bodyPr/>
+                    <a:lstStyle/>
+                    <a:p>
+                      <a:endParaRPr lang="en-IE"/>
+                    </a:p>
+                  </a:txBody>
+                  <a:tcPr/>
+                </a:tc>
+                <a:extLst>
+                  <a:ext uri="{0D108BD9-81ED-4DB2-BD59-A6C34878D82A}">
+                    <a16:rowId xmlns:a16="http://schemas.microsoft.com/office/drawing/2014/main" val="1315309221"/>
+                  </a:ext>
+                </a:extLst>
+              </a:tr>
+              <a:tr h="370840">
+                <a:tc>
+                  <a:txBody>
+                    <a:bodyPr/>
+                    <a:lstStyle/>
+                    <a:p>
+                      <a:r>
+                        <a:rPr lang="en-US" dirty="0"/>
+                        <a:t>High availability is a requirement.</a:t>
+                      </a:r>
+                      <a:endParaRPr lang="en-IE" dirty="0"/>
+                    </a:p>
+                  </a:txBody>
+                  <a:tcPr/>
+                </a:tc>
+                <a:tc>
+                  <a:txBody>
+                    <a:bodyPr/>
+                    <a:lstStyle/>
+                    <a:p>
+                      <a:endParaRPr lang="en-IE"/>
+                    </a:p>
+                  </a:txBody>
+                  <a:tcPr/>
+                </a:tc>
+                <a:extLst>
+                  <a:ext uri="{0D108BD9-81ED-4DB2-BD59-A6C34878D82A}">
+                    <a16:rowId xmlns:a16="http://schemas.microsoft.com/office/drawing/2014/main" val="536860129"/>
+                  </a:ext>
+                </a:extLst>
+              </a:tr>
+              <a:tr h="370840">
+                <a:tc>
+                  <a:txBody>
+                    <a:bodyPr/>
+                    <a:lstStyle/>
+                    <a:p>
+                      <a:r>
+                        <a:rPr lang="en-US" dirty="0"/>
+                        <a:t>No change to the database</a:t>
+                      </a:r>
+                    </a:p>
+                    <a:p>
+                      <a:r>
+                        <a:rPr lang="en-US" dirty="0"/>
+                        <a:t>schema can be made at this time.</a:t>
+                      </a:r>
+                      <a:endParaRPr lang="en-IE" dirty="0"/>
+                    </a:p>
+                  </a:txBody>
+                  <a:tcPr/>
+                </a:tc>
+                <a:tc>
+                  <a:txBody>
+                    <a:bodyPr/>
+                    <a:lstStyle/>
+                    <a:p>
+                      <a:endParaRPr lang="en-IE" dirty="0"/>
+                    </a:p>
+                  </a:txBody>
+                  <a:tcPr/>
+                </a:tc>
+                <a:extLst>
+                  <a:ext uri="{0D108BD9-81ED-4DB2-BD59-A6C34878D82A}">
+                    <a16:rowId xmlns:a16="http://schemas.microsoft.com/office/drawing/2014/main" val="2655941878"/>
+                  </a:ext>
+                </a:extLst>
+              </a:tr>
+            </a:tbl>
+          </a:graphicData>
+        </a:graphic>
+      </p:graphicFrame>
+    </p:spTree>
+    <p:extLst>
+      <p:ext uri="{BB962C8B-B14F-4D97-AF65-F5344CB8AC3E}">
+        <p14:creationId xmlns:p14="http://schemas.microsoft.com/office/powerpoint/2010/main" val="940885560"/>
       </p:ext>
     </p:extLst>
   </p:cSld>

--- a/Cloud_Computing/Labs/Assignment/part 2/Cloud-Computing-Assignment-2.pptx
+++ b/Cloud_Computing/Labs/Assignment/part 2/Cloud-Computing-Assignment-2.pptx
@@ -16,8 +16,7 @@
     <p:sldId id="265" r:id="rId10"/>
     <p:sldId id="266" r:id="rId11"/>
     <p:sldId id="267" r:id="rId12"/>
-    <p:sldId id="268" r:id="rId13"/>
-    <p:sldId id="269" r:id="rId14"/>
+    <p:sldId id="269" r:id="rId13"/>
   </p:sldIdLst>
   <p:sldSz cx="12192000" cy="6858000"/>
   <p:notesSz cx="6858000" cy="9144000"/>
@@ -3375,14 +3374,26 @@
             <p:ph type="ctrTitle"/>
           </p:nvPr>
         </p:nvSpPr>
-        <p:spPr/>
+        <p:spPr>
+          <a:xfrm>
+            <a:off x="710213" y="584277"/>
+            <a:ext cx="10599937" cy="2387600"/>
+          </a:xfrm>
+        </p:spPr>
         <p:txBody>
           <a:bodyPr/>
           <a:lstStyle/>
           <a:p>
             <a:r>
               <a:rPr lang="en-IE" dirty="0"/>
-              <a:t>Cloud Computing Assignment 2</a:t>
+              <a:t>Cloud Computing Assignment </a:t>
+            </a:r>
+            <a:br>
+              <a:rPr lang="en-IE" dirty="0"/>
+            </a:br>
+            <a:r>
+              <a:rPr lang="en-IE" dirty="0"/>
+              <a:t>Final Part</a:t>
             </a:r>
           </a:p>
         </p:txBody>
@@ -3403,7 +3414,12 @@
             <p:ph type="subTitle" idx="1"/>
           </p:nvPr>
         </p:nvSpPr>
-        <p:spPr/>
+        <p:spPr>
+          <a:xfrm>
+            <a:off x="1524000" y="3886123"/>
+            <a:ext cx="9144000" cy="1655762"/>
+          </a:xfrm>
+        </p:spPr>
         <p:txBody>
           <a:bodyPr/>
           <a:lstStyle/>
@@ -3422,7 +3438,7 @@
           <a:p>
             <a:r>
               <a:rPr lang="en-IE" dirty="0"/>
-              <a:t>DT228 3</a:t>
+              <a:t>DT228-3</a:t>
             </a:r>
           </a:p>
         </p:txBody>
@@ -3506,7 +3522,49 @@
           <a:bodyPr/>
           <a:lstStyle/>
           <a:p>
-            <a:endParaRPr lang="en-IE"/>
+            <a:pPr marL="0" indent="0">
+              <a:buNone/>
+            </a:pPr>
+            <a:r>
+              <a:rPr lang="en-IE" dirty="0"/>
+              <a:t>IAM:</a:t>
+            </a:r>
+          </a:p>
+          <a:p>
+            <a:pPr marL="0" indent="0">
+              <a:buNone/>
+            </a:pPr>
+            <a:r>
+              <a:rPr lang="en-IE" dirty="0"/>
+              <a:t> Group : </a:t>
+            </a:r>
+          </a:p>
+          <a:p>
+            <a:pPr marL="0" indent="0">
+              <a:buNone/>
+            </a:pPr>
+            <a:r>
+              <a:rPr lang="en-IE" dirty="0"/>
+              <a:t>	Cloud Team only have Access to AWS services</a:t>
+            </a:r>
+          </a:p>
+          <a:p>
+            <a:pPr marL="0" indent="0">
+              <a:buNone/>
+            </a:pPr>
+            <a:r>
+              <a:rPr lang="en-IE" dirty="0"/>
+              <a:t>	Sale Personals use instances to read and write to S3 products in 	regard to images and the document</a:t>
+            </a:r>
+          </a:p>
+          <a:p>
+            <a:pPr marL="0" indent="0">
+              <a:buNone/>
+            </a:pPr>
+            <a:endParaRPr lang="en-IE" dirty="0"/>
+          </a:p>
+          <a:p>
+            <a:endParaRPr lang="en-IE" dirty="0"/>
           </a:p>
         </p:txBody>
       </p:sp>
@@ -3589,7 +3647,10 @@
           <a:bodyPr/>
           <a:lstStyle/>
           <a:p>
-            <a:endParaRPr lang="en-IE" dirty="0"/>
+            <a:r>
+              <a:rPr lang="en-IE" dirty="0"/>
+              <a:t>According to the Assignment document, this part is optional</a:t>
+            </a:r>
           </a:p>
         </p:txBody>
       </p:sp>
@@ -3607,89 +3668,6 @@
 </file>
 
 <file path=ppt/slides/slide12.xml><?xml version="1.0" encoding="utf-8"?>
-<p:sld xmlns:a="http://schemas.openxmlformats.org/drawingml/2006/main" xmlns:r="http://schemas.openxmlformats.org/officeDocument/2006/relationships" xmlns:p="http://schemas.openxmlformats.org/presentationml/2006/main">
-  <p:cSld>
-    <p:spTree>
-      <p:nvGrpSpPr>
-        <p:cNvPr id="1" name=""/>
-        <p:cNvGrpSpPr/>
-        <p:nvPr/>
-      </p:nvGrpSpPr>
-      <p:grpSpPr>
-        <a:xfrm>
-          <a:off x="0" y="0"/>
-          <a:ext cx="0" cy="0"/>
-          <a:chOff x="0" y="0"/>
-          <a:chExt cx="0" cy="0"/>
-        </a:xfrm>
-      </p:grpSpPr>
-      <p:sp>
-        <p:nvSpPr>
-          <p:cNvPr id="2" name="Title 1">
-            <a:extLst>
-              <a:ext uri="{FF2B5EF4-FFF2-40B4-BE49-F238E27FC236}">
-                <a16:creationId xmlns:a16="http://schemas.microsoft.com/office/drawing/2014/main" id="{1D48DEC2-528A-4F9F-9234-3E7EF5A2D6A3}"/>
-              </a:ext>
-            </a:extLst>
-          </p:cNvPr>
-          <p:cNvSpPr>
-            <a:spLocks noGrp="1"/>
-          </p:cNvSpPr>
-          <p:nvPr>
-            <p:ph type="title"/>
-          </p:nvPr>
-        </p:nvSpPr>
-        <p:spPr/>
-        <p:txBody>
-          <a:bodyPr/>
-          <a:lstStyle/>
-          <a:p>
-            <a:r>
-              <a:rPr lang="en-IE" dirty="0"/>
-              <a:t>Architecture Diagram</a:t>
-            </a:r>
-          </a:p>
-        </p:txBody>
-      </p:sp>
-      <p:sp>
-        <p:nvSpPr>
-          <p:cNvPr id="3" name="Content Placeholder 2">
-            <a:extLst>
-              <a:ext uri="{FF2B5EF4-FFF2-40B4-BE49-F238E27FC236}">
-                <a16:creationId xmlns:a16="http://schemas.microsoft.com/office/drawing/2014/main" id="{F4B63F9A-7036-414D-ABC6-1023DA0EB93F}"/>
-              </a:ext>
-            </a:extLst>
-          </p:cNvPr>
-          <p:cNvSpPr>
-            <a:spLocks noGrp="1"/>
-          </p:cNvSpPr>
-          <p:nvPr>
-            <p:ph idx="1"/>
-          </p:nvPr>
-        </p:nvSpPr>
-        <p:spPr/>
-        <p:txBody>
-          <a:bodyPr/>
-          <a:lstStyle/>
-          <a:p>
-            <a:endParaRPr lang="en-IE" dirty="0"/>
-          </a:p>
-        </p:txBody>
-      </p:sp>
-    </p:spTree>
-    <p:extLst>
-      <p:ext uri="{BB962C8B-B14F-4D97-AF65-F5344CB8AC3E}">
-        <p14:creationId xmlns:p14="http://schemas.microsoft.com/office/powerpoint/2010/main" val="3645232321"/>
-      </p:ext>
-    </p:extLst>
-  </p:cSld>
-  <p:clrMapOvr>
-    <a:masterClrMapping/>
-  </p:clrMapOvr>
-</p:sld>
-</file>
-
-<file path=ppt/slides/slide13.xml><?xml version="1.0" encoding="utf-8"?>
 <p:sld xmlns:a="http://schemas.openxmlformats.org/drawingml/2006/main" xmlns:r="http://schemas.openxmlformats.org/officeDocument/2006/relationships" xmlns:p="http://schemas.openxmlformats.org/presentationml/2006/main">
   <p:cSld>
     <p:spTree>
@@ -5348,14 +5326,14 @@
           <p:nvPr>
             <p:extLst>
               <p:ext uri="{D42A27DB-BD31-4B8C-83A1-F6EECF244321}">
-                <p14:modId xmlns:p14="http://schemas.microsoft.com/office/powerpoint/2010/main" val="2112408047"/>
+                <p14:modId xmlns:p14="http://schemas.microsoft.com/office/powerpoint/2010/main" val="2822591859"/>
               </p:ext>
             </p:extLst>
           </p:nvPr>
         </p:nvGraphicFramePr>
         <p:xfrm>
           <a:off x="1125178" y="3435069"/>
-          <a:ext cx="9941644" cy="1854200"/>
+          <a:ext cx="9941644" cy="2392680"/>
         </p:xfrm>
         <a:graphic>
           <a:graphicData uri="http://schemas.openxmlformats.org/drawingml/2006/table">
@@ -5459,17 +5437,23 @@
                     <a:bodyPr/>
                     <a:lstStyle/>
                     <a:p>
-                      <a:endParaRPr lang="en-IE" dirty="0"/>
-                    </a:p>
-                  </a:txBody>
-                  <a:tcPr/>
-                </a:tc>
-                <a:tc>
-                  <a:txBody>
-                    <a:bodyPr/>
-                    <a:lstStyle/>
-                    <a:p>
-                      <a:endParaRPr lang="en-IE" dirty="0"/>
+                      <a:r>
+                        <a:rPr lang="en-IE" dirty="0"/>
+                        <a:t>Network Access Control Lists</a:t>
+                      </a:r>
+                    </a:p>
+                  </a:txBody>
+                  <a:tcPr/>
+                </a:tc>
+                <a:tc>
+                  <a:txBody>
+                    <a:bodyPr/>
+                    <a:lstStyle/>
+                    <a:p>
+                      <a:r>
+                        <a:rPr lang="en-IE" dirty="0"/>
+                        <a:t>This is to protect the subnet levels by acting as a firewall for the stateless servers, controlling the (in/out) bound traffic at subnet level</a:t>
+                      </a:r>
                     </a:p>
                   </a:txBody>
                   <a:tcPr/>
@@ -5486,17 +5470,23 @@
                     <a:bodyPr/>
                     <a:lstStyle/>
                     <a:p>
-                      <a:endParaRPr lang="en-IE"/>
-                    </a:p>
-                  </a:txBody>
-                  <a:tcPr/>
-                </a:tc>
-                <a:tc>
-                  <a:txBody>
-                    <a:bodyPr/>
-                    <a:lstStyle/>
-                    <a:p>
-                      <a:endParaRPr lang="en-IE"/>
+                      <a:r>
+                        <a:rPr lang="en-IE" dirty="0"/>
+                        <a:t>AWS Marketplace</a:t>
+                      </a:r>
+                    </a:p>
+                  </a:txBody>
+                  <a:tcPr/>
+                </a:tc>
+                <a:tc>
+                  <a:txBody>
+                    <a:bodyPr/>
+                    <a:lstStyle/>
+                    <a:p>
+                      <a:r>
+                        <a:rPr lang="en-IE" dirty="0"/>
+                        <a:t>For any more Necessary Security benefits, the Marketplace can offer several Appliances</a:t>
+                      </a:r>
                     </a:p>
                   </a:txBody>
                   <a:tcPr/>
@@ -5612,14 +5602,14 @@
             <p:ph idx="1"/>
             <p:extLst>
               <p:ext uri="{D42A27DB-BD31-4B8C-83A1-F6EECF244321}">
-                <p14:modId xmlns:p14="http://schemas.microsoft.com/office/powerpoint/2010/main" val="2645835282"/>
+                <p14:modId xmlns:p14="http://schemas.microsoft.com/office/powerpoint/2010/main" val="2530768837"/>
               </p:ext>
             </p:extLst>
           </p:nvPr>
         </p:nvGraphicFramePr>
         <p:xfrm>
-          <a:off x="838200" y="1825625"/>
-          <a:ext cx="10515600" cy="1651000"/>
+          <a:off x="838200" y="1825624"/>
+          <a:ext cx="10515600" cy="2382233"/>
         </p:xfrm>
         <a:graphic>
           <a:graphicData uri="http://schemas.openxmlformats.org/drawingml/2006/table">
@@ -5643,7 +5633,7 @@
                   </a:extLst>
                 </a:gridCol>
               </a:tblGrid>
-              <a:tr h="370840">
+              <a:tr h="401624">
                 <a:tc>
                   <a:txBody>
                     <a:bodyPr/>
@@ -5684,7 +5674,7 @@
                   </a:ext>
                 </a:extLst>
               </a:tr>
-              <a:tr h="370840">
+              <a:tr h="1287396">
                 <a:tc>
                   <a:txBody>
                     <a:bodyPr/>
@@ -5703,7 +5693,28 @@
                     <a:bodyPr/>
                     <a:lstStyle/>
                     <a:p>
-                      <a:endParaRPr lang="en-IE"/>
+                      <a:r>
+                        <a:rPr lang="en-IE" dirty="0"/>
+                        <a:t>Enable the Amazon S3 Server Side encryption with S3 managed Keys</a:t>
+                      </a:r>
+                    </a:p>
+                    <a:p>
+                      <a:r>
+                        <a:rPr lang="en-IE" dirty="0"/>
+                        <a:t> EBS encryption using Block Level, such as Loop-AES</a:t>
+                      </a:r>
+                    </a:p>
+                    <a:p>
+                      <a:r>
+                        <a:rPr lang="en-IE" dirty="0"/>
+                        <a:t>Enable the data to be encrypted before it reached the RDS Storage</a:t>
+                      </a:r>
+                    </a:p>
+                    <a:p>
+                      <a:r>
+                        <a:rPr lang="en-IE" dirty="0"/>
+                        <a:t>Enable the Key Managed services to managed the Keys associated with the Encryption</a:t>
+                      </a:r>
                     </a:p>
                   </a:txBody>
                   <a:tcPr/>
@@ -5714,7 +5725,7 @@
                   </a:ext>
                 </a:extLst>
               </a:tr>
-              <a:tr h="370840">
+              <a:tr h="693213">
                 <a:tc>
                   <a:txBody>
                     <a:bodyPr/>
@@ -5750,7 +5761,16 @@
                     <a:bodyPr/>
                     <a:lstStyle/>
                     <a:p>
-                      <a:endParaRPr lang="en-IE" dirty="0"/>
+                      <a:r>
+                        <a:rPr lang="en-IE" dirty="0"/>
+                        <a:t>Enable Secure Socket Layer &amp; Transport Layer Security</a:t>
+                      </a:r>
+                    </a:p>
+                    <a:p>
+                      <a:r>
+                        <a:rPr lang="en-IE" dirty="0"/>
+                        <a:t>Client Side Encryption using the AWS KMS-Managed Customer Master Key</a:t>
+                      </a:r>
                     </a:p>
                   </a:txBody>
                   <a:tcPr/>
@@ -5839,14 +5859,14 @@
             <p:ph idx="1"/>
             <p:extLst>
               <p:ext uri="{D42A27DB-BD31-4B8C-83A1-F6EECF244321}">
-                <p14:modId xmlns:p14="http://schemas.microsoft.com/office/powerpoint/2010/main" val="1556941435"/>
+                <p14:modId xmlns:p14="http://schemas.microsoft.com/office/powerpoint/2010/main" val="1357570639"/>
               </p:ext>
             </p:extLst>
           </p:nvPr>
         </p:nvGraphicFramePr>
         <p:xfrm>
-          <a:off x="838200" y="1825624"/>
-          <a:ext cx="10515603" cy="3150978"/>
+          <a:off x="513805" y="1494699"/>
+          <a:ext cx="11390810" cy="4654867"/>
         </p:xfrm>
         <a:graphic>
           <a:graphicData uri="http://schemas.openxmlformats.org/drawingml/2006/table">
@@ -5855,49 +5875,49 @@
                 <a:tableStyleId>{00A15C55-8517-42AA-B614-E9B94910E393}</a:tableStyleId>
               </a:tblPr>
               <a:tblGrid>
-                <a:gridCol w="1502229">
+                <a:gridCol w="761745">
                   <a:extLst>
                     <a:ext uri="{9D8B030D-6E8A-4147-A177-3AD203B41FA5}">
                       <a16:colId xmlns:a16="http://schemas.microsoft.com/office/drawing/2014/main" val="2570424474"/>
                     </a:ext>
                   </a:extLst>
                 </a:gridCol>
-                <a:gridCol w="1502229">
+                <a:gridCol w="1572153">
                   <a:extLst>
                     <a:ext uri="{9D8B030D-6E8A-4147-A177-3AD203B41FA5}">
                       <a16:colId xmlns:a16="http://schemas.microsoft.com/office/drawing/2014/main" val="3753396623"/>
                     </a:ext>
                   </a:extLst>
                 </a:gridCol>
-                <a:gridCol w="1502229">
+                <a:gridCol w="1220127">
                   <a:extLst>
                     <a:ext uri="{9D8B030D-6E8A-4147-A177-3AD203B41FA5}">
                       <a16:colId xmlns:a16="http://schemas.microsoft.com/office/drawing/2014/main" val="3636661278"/>
                     </a:ext>
                   </a:extLst>
                 </a:gridCol>
-                <a:gridCol w="1502229">
+                <a:gridCol w="948307">
                   <a:extLst>
                     <a:ext uri="{9D8B030D-6E8A-4147-A177-3AD203B41FA5}">
                       <a16:colId xmlns:a16="http://schemas.microsoft.com/office/drawing/2014/main" val="2331909786"/>
                     </a:ext>
                   </a:extLst>
                 </a:gridCol>
-                <a:gridCol w="1502229">
+                <a:gridCol w="1088572">
                   <a:extLst>
                     <a:ext uri="{9D8B030D-6E8A-4147-A177-3AD203B41FA5}">
                       <a16:colId xmlns:a16="http://schemas.microsoft.com/office/drawing/2014/main" val="3235908227"/>
                     </a:ext>
                   </a:extLst>
                 </a:gridCol>
-                <a:gridCol w="1502229">
+                <a:gridCol w="4241074">
                   <a:extLst>
                     <a:ext uri="{9D8B030D-6E8A-4147-A177-3AD203B41FA5}">
                       <a16:colId xmlns:a16="http://schemas.microsoft.com/office/drawing/2014/main" val="406904880"/>
                     </a:ext>
                   </a:extLst>
                 </a:gridCol>
-                <a:gridCol w="1502229">
+                <a:gridCol w="1558832">
                   <a:extLst>
                     <a:ext uri="{9D8B030D-6E8A-4147-A177-3AD203B41FA5}">
                       <a16:colId xmlns:a16="http://schemas.microsoft.com/office/drawing/2014/main" val="2128464851"/>
@@ -5905,7 +5925,7 @@
                   </a:extLst>
                 </a:gridCol>
               </a:tblGrid>
-              <a:tr h="454588">
+              <a:tr h="540067">
                 <a:tc>
                   <a:txBody>
                     <a:bodyPr/>
@@ -6031,7 +6051,7 @@
                   </a:ext>
                 </a:extLst>
               </a:tr>
-              <a:tr h="1120901">
+              <a:tr h="1412241">
                 <a:tc>
                   <a:txBody>
                     <a:bodyPr/>
@@ -6069,7 +6089,22 @@
                     <a:p>
                       <a:r>
                         <a:rPr lang="en-IE" dirty="0"/>
-                        <a:t>Key: Name Value: app-tier</a:t>
+                        <a:t>Key: </a:t>
+                      </a:r>
+                    </a:p>
+                    <a:p>
+                      <a:r>
+                        <a:rPr lang="en-IE" dirty="0"/>
+                        <a:t>Name </a:t>
+                      </a:r>
+                    </a:p>
+                    <a:p>
+                      <a:endParaRPr lang="en-IE" dirty="0"/>
+                    </a:p>
+                    <a:p>
+                      <a:r>
+                        <a:rPr lang="en-IE" dirty="0"/>
+                        <a:t>Value: app-tier</a:t>
                       </a:r>
                     </a:p>
                   </a:txBody>
@@ -6106,7 +6141,10 @@
                     <a:bodyPr/>
                     <a:lstStyle/>
                     <a:p>
-                      <a:endParaRPr lang="en-IE"/>
+                      <a:r>
+                        <a:rPr lang="en-IE" dirty="0"/>
+                        <a:t>By expanding the size from what the server from its previous size to this new larger size, we expect the server capacity to reduce from 90% to between 50 and 60 percentage at all times</a:t>
+                      </a:r>
                     </a:p>
                   </a:txBody>
                   <a:tcPr/>
@@ -6130,7 +6168,7 @@
                   </a:ext>
                 </a:extLst>
               </a:tr>
-              <a:tr h="1120901">
+              <a:tr h="1412241">
                 <a:tc>
                   <a:txBody>
                     <a:bodyPr/>
@@ -6164,7 +6202,22 @@
                     <a:p>
                       <a:r>
                         <a:rPr lang="en-IE" dirty="0"/>
-                        <a:t>Key: Name Value: web-tier</a:t>
+                        <a:t>Key: </a:t>
+                      </a:r>
+                    </a:p>
+                    <a:p>
+                      <a:r>
+                        <a:rPr lang="en-IE" dirty="0"/>
+                        <a:t>Name </a:t>
+                      </a:r>
+                    </a:p>
+                    <a:p>
+                      <a:endParaRPr lang="en-IE" dirty="0"/>
+                    </a:p>
+                    <a:p>
+                      <a:r>
+                        <a:rPr lang="en-IE" dirty="0"/>
+                        <a:t>Value: web-tier</a:t>
                       </a:r>
                     </a:p>
                   </a:txBody>
@@ -6201,7 +6254,27 @@
                     <a:bodyPr/>
                     <a:lstStyle/>
                     <a:p>
-                      <a:endParaRPr lang="en-IE"/>
+                      <a:pPr marL="0" marR="0" lvl="0" indent="0" algn="l" defTabSz="914400" rtl="0" eaLnBrk="1" fontAlgn="auto" latinLnBrk="0" hangingPunct="1">
+                        <a:lnSpc>
+                          <a:spcPct val="100000"/>
+                        </a:lnSpc>
+                        <a:spcBef>
+                          <a:spcPts val="0"/>
+                        </a:spcBef>
+                        <a:spcAft>
+                          <a:spcPts val="0"/>
+                        </a:spcAft>
+                        <a:buClrTx/>
+                        <a:buSzTx/>
+                        <a:buFontTx/>
+                        <a:buNone/>
+                        <a:tabLst/>
+                        <a:defRPr/>
+                      </a:pPr>
+                      <a:r>
+                        <a:rPr lang="en-IE" dirty="0"/>
+                        <a:t>By expanding the size from what the server from its previous size to this new larger size, we expect the server capacity to reduce from 90% to between 50 and 60 percentage at all times</a:t>
+                      </a:r>
                     </a:p>
                   </a:txBody>
                   <a:tcPr/>
@@ -6225,7 +6298,7 @@
                   </a:ext>
                 </a:extLst>
               </a:tr>
-              <a:tr h="454588">
+              <a:tr h="540067">
                 <a:tc>
                   <a:txBody>
                     <a:bodyPr/>
@@ -6296,7 +6369,10 @@
                     <a:bodyPr/>
                     <a:lstStyle/>
                     <a:p>
-                      <a:endParaRPr lang="en-IE"/>
+                      <a:r>
+                        <a:rPr lang="en-IE" dirty="0"/>
+                        <a:t>Since there is not a problem currently, we can design to match current size, which also matches the physical resource size. This can be resized later if necessary </a:t>
+                      </a:r>
                     </a:p>
                   </a:txBody>
                   <a:tcPr/>
@@ -6405,7 +6481,7 @@
         </p:nvSpPr>
         <p:spPr>
           <a:xfrm>
-            <a:off x="838200" y="1105434"/>
+            <a:off x="830108" y="1105434"/>
             <a:ext cx="10515600" cy="1192704"/>
           </a:xfrm>
         </p:spPr>
@@ -6424,7 +6500,7 @@
             </a:pPr>
             <a:r>
               <a:rPr lang="en-US" sz="2000" dirty="0"/>
-              <a:t>Since all the servers that the users are connecting to are stateless, We can create images dynamically every four hours</a:t>
+              <a:t>Since all the servers that the users are connecting to are stateless, We can create images dynamically every four hours of the EB2, and the RDS,</a:t>
             </a:r>
             <a:r>
               <a:rPr lang="en-GB" sz="2000" dirty="0"/>
@@ -6722,14 +6798,14 @@
             <p:ph idx="1"/>
             <p:extLst>
               <p:ext uri="{D42A27DB-BD31-4B8C-83A1-F6EECF244321}">
-                <p14:modId xmlns:p14="http://schemas.microsoft.com/office/powerpoint/2010/main" val="4133806743"/>
+                <p14:modId xmlns:p14="http://schemas.microsoft.com/office/powerpoint/2010/main" val="2620880135"/>
               </p:ext>
             </p:extLst>
           </p:nvPr>
         </p:nvGraphicFramePr>
         <p:xfrm>
-          <a:off x="838200" y="1825625"/>
-          <a:ext cx="10515600" cy="3114040"/>
+          <a:off x="139337" y="1485989"/>
+          <a:ext cx="11895909" cy="4444547"/>
         </p:xfrm>
         <a:graphic>
           <a:graphicData uri="http://schemas.openxmlformats.org/drawingml/2006/table">
@@ -6738,14 +6814,14 @@
                 <a:tableStyleId>{00A15C55-8517-42AA-B614-E9B94910E393}</a:tableStyleId>
               </a:tblPr>
               <a:tblGrid>
-                <a:gridCol w="5257800">
+                <a:gridCol w="4765752">
                   <a:extLst>
                     <a:ext uri="{9D8B030D-6E8A-4147-A177-3AD203B41FA5}">
                       <a16:colId xmlns:a16="http://schemas.microsoft.com/office/drawing/2014/main" val="1600332229"/>
                     </a:ext>
                   </a:extLst>
                 </a:gridCol>
-                <a:gridCol w="5257800">
+                <a:gridCol w="7130157">
                   <a:extLst>
                     <a:ext uri="{9D8B030D-6E8A-4147-A177-3AD203B41FA5}">
                       <a16:colId xmlns:a16="http://schemas.microsoft.com/office/drawing/2014/main" val="4026596752"/>
@@ -6753,7 +6829,7 @@
                   </a:extLst>
                 </a:gridCol>
               </a:tblGrid>
-              <a:tr h="370840">
+              <a:tr h="418648">
                 <a:tc>
                   <a:txBody>
                     <a:bodyPr/>
@@ -6794,7 +6870,7 @@
                   </a:ext>
                 </a:extLst>
               </a:tr>
-              <a:tr h="370840">
+              <a:tr h="722597">
                 <a:tc>
                   <a:txBody>
                     <a:bodyPr/>
@@ -6820,7 +6896,10 @@
                     <a:bodyPr/>
                     <a:lstStyle/>
                     <a:p>
-                      <a:endParaRPr lang="en-IE"/>
+                      <a:r>
+                        <a:rPr lang="en-IE" dirty="0"/>
+                        <a:t>Enable the Web Tier design to scale in or out depending on the CloudWatch configuration</a:t>
+                      </a:r>
                     </a:p>
                   </a:txBody>
                   <a:tcPr/>
@@ -6831,7 +6910,7 @@
                   </a:ext>
                 </a:extLst>
               </a:tr>
-              <a:tr h="370840">
+              <a:tr h="1961336">
                 <a:tc>
                   <a:txBody>
                     <a:bodyPr/>
@@ -6853,10 +6932,8 @@
                       </a:r>
                       <a:r>
                         <a:rPr lang="en-US" dirty="0"/>
-                        <a:t> and 750</a:t>
-                      </a:r>
-                    </a:p>
-                    <a:p>
+                        <a:t> and 750 </a:t>
+                      </a:r>
                       <a:r>
                         <a:rPr lang="en-US" dirty="0" err="1"/>
                         <a:t>Mbps</a:t>
@@ -6875,7 +6952,10 @@
                     <a:bodyPr/>
                     <a:lstStyle/>
                     <a:p>
-                      <a:endParaRPr lang="en-IE"/>
+                      <a:r>
+                        <a:rPr lang="en-IE" dirty="0"/>
+                        <a:t>Configure CloudWatch so that it ensures the Auto Scale starts new Web servers when the incoming network bandwidth reaches above the750 MBS for approximately 10 - 15 minutes to allow a little bit of flexibility. If the MBS falls below 300, We set a timer for between 10 &amp; 15 minutes for terminating the web servers that are not needed. This is to save some of the costs and to ensure we do not have Auto Scaling Thrashing</a:t>
+                      </a:r>
                     </a:p>
                   </a:txBody>
                   <a:tcPr/>
@@ -6886,7 +6966,7 @@
                   </a:ext>
                 </a:extLst>
               </a:tr>
-              <a:tr h="370840">
+              <a:tr h="1341966">
                 <a:tc>
                   <a:txBody>
                     <a:bodyPr/>
@@ -6924,7 +7004,16 @@
                     <a:bodyPr/>
                     <a:lstStyle/>
                     <a:p>
-                      <a:endParaRPr lang="en-IE" dirty="0"/>
+                      <a:r>
+                        <a:rPr lang="en-IE" dirty="0"/>
+                        <a:t>Configure CloudWatch to log the 400 HTTP errors per minute in the Application and set up a Alarm for such case. </a:t>
+                      </a:r>
+                    </a:p>
+                    <a:p>
+                      <a:r>
+                        <a:rPr lang="en-IE" dirty="0"/>
+                        <a:t>If the error does occur, send a notification to the Application Administrators.</a:t>
+                      </a:r>
                     </a:p>
                   </a:txBody>
                   <a:tcPr/>
@@ -7013,14 +7102,14 @@
             <p:ph idx="1"/>
             <p:extLst>
               <p:ext uri="{D42A27DB-BD31-4B8C-83A1-F6EECF244321}">
-                <p14:modId xmlns:p14="http://schemas.microsoft.com/office/powerpoint/2010/main" val="561090716"/>
+                <p14:modId xmlns:p14="http://schemas.microsoft.com/office/powerpoint/2010/main" val="2909311566"/>
               </p:ext>
             </p:extLst>
           </p:nvPr>
         </p:nvGraphicFramePr>
         <p:xfrm>
-          <a:off x="838200" y="1825625"/>
-          <a:ext cx="10515600" cy="3388360"/>
+          <a:off x="313509" y="1760056"/>
+          <a:ext cx="11040291" cy="4243663"/>
         </p:xfrm>
         <a:graphic>
           <a:graphicData uri="http://schemas.openxmlformats.org/drawingml/2006/table">
@@ -7029,14 +7118,14 @@
                 <a:tableStyleId>{00A15C55-8517-42AA-B614-E9B94910E393}</a:tableStyleId>
               </a:tblPr>
               <a:tblGrid>
-                <a:gridCol w="5257800">
+                <a:gridCol w="3416919">
                   <a:extLst>
                     <a:ext uri="{9D8B030D-6E8A-4147-A177-3AD203B41FA5}">
                       <a16:colId xmlns:a16="http://schemas.microsoft.com/office/drawing/2014/main" val="3204209028"/>
                     </a:ext>
                   </a:extLst>
                 </a:gridCol>
-                <a:gridCol w="5257800">
+                <a:gridCol w="7623372">
                   <a:extLst>
                     <a:ext uri="{9D8B030D-6E8A-4147-A177-3AD203B41FA5}">
                       <a16:colId xmlns:a16="http://schemas.microsoft.com/office/drawing/2014/main" val="1997133159"/>
@@ -7044,7 +7133,7 @@
                   </a:extLst>
                 </a:gridCol>
               </a:tblGrid>
-              <a:tr h="370840">
+              <a:tr h="422541">
                 <a:tc>
                   <a:txBody>
                     <a:bodyPr/>
@@ -7068,18 +7157,13 @@
                     <a:lstStyle/>
                     <a:p>
                       <a:r>
-                        <a:rPr lang="en-IE" dirty="0" err="1">
+                        <a:rPr lang="en-IE" dirty="0">
                           <a:solidFill>
                             <a:schemeClr val="tx1"/>
                           </a:solidFill>
                         </a:rPr>
-                        <a:t>Soloution</a:t>
-                      </a:r>
-                      <a:endParaRPr lang="en-IE" dirty="0">
-                        <a:solidFill>
-                          <a:schemeClr val="tx1"/>
-                        </a:solidFill>
-                      </a:endParaRPr>
+                        <a:t>Solution</a:t>
+                      </a:r>
                     </a:p>
                   </a:txBody>
                   <a:tcPr/>
@@ -7090,7 +7174,7 @@
                   </a:ext>
                 </a:extLst>
               </a:tr>
-              <a:tr h="370840">
+              <a:tr h="1041881">
                 <a:tc>
                   <a:txBody>
                     <a:bodyPr/>
@@ -7122,7 +7206,27 @@
                     <a:bodyPr/>
                     <a:lstStyle/>
                     <a:p>
-                      <a:endParaRPr lang="en-IE"/>
+                      <a:pPr marL="0" marR="0" lvl="0" indent="0" algn="l" defTabSz="914400" rtl="0" eaLnBrk="1" fontAlgn="auto" latinLnBrk="0" hangingPunct="1">
+                        <a:lnSpc>
+                          <a:spcPct val="100000"/>
+                        </a:lnSpc>
+                        <a:spcBef>
+                          <a:spcPts val="0"/>
+                        </a:spcBef>
+                        <a:spcAft>
+                          <a:spcPts val="0"/>
+                        </a:spcAft>
+                        <a:buClrTx/>
+                        <a:buSzTx/>
+                        <a:buFontTx/>
+                        <a:buNone/>
+                        <a:tabLst/>
+                        <a:defRPr/>
+                      </a:pPr>
+                      <a:r>
+                        <a:rPr lang="en-IE" dirty="0"/>
+                        <a:t>Enable the App Tier design to scale in or out depending on the CloudWatch configuration</a:t>
+                      </a:r>
                     </a:p>
                   </a:txBody>
                   <a:tcPr/>
@@ -7133,7 +7237,7 @@
                   </a:ext>
                 </a:extLst>
               </a:tr>
-              <a:tr h="370840">
+              <a:tr h="1667009">
                 <a:tc>
                   <a:txBody>
                     <a:bodyPr/>
@@ -7171,7 +7275,10 @@
                     <a:bodyPr/>
                     <a:lstStyle/>
                     <a:p>
-                      <a:endParaRPr lang="en-IE"/>
+                      <a:r>
+                        <a:rPr lang="en-IE" dirty="0"/>
+                        <a:t>Configure CloudWatch so that it ensures the Auto Scale starts new App servers when the overall memory utilization reaches above the 80% and the CPU when that goes above 75% for approximately 10 - 15 minutes to allow for some heavy computing work.  If the Percentage falls below 30, We set a timer for ten to fifteen minutes for terminating the web servers that are not needed. This is to save some of the costs and to ensure we do not have Auto Scaling Thrashing</a:t>
+                      </a:r>
                     </a:p>
                   </a:txBody>
                   <a:tcPr/>
@@ -7182,7 +7289,7 @@
                   </a:ext>
                 </a:extLst>
               </a:tr>
-              <a:tr h="370840">
+              <a:tr h="1041881">
                 <a:tc>
                   <a:txBody>
                     <a:bodyPr/>
@@ -7214,7 +7321,10 @@
                     <a:bodyPr/>
                     <a:lstStyle/>
                     <a:p>
-                      <a:endParaRPr lang="en-IE" dirty="0"/>
+                      <a:r>
+                        <a:rPr lang="en-IE" dirty="0"/>
+                        <a:t>Ensuring that the NAT and the VPC routing table are configured properly to reroute the traffic to an available subnets &amp; gateways before working on the patches and updates for the application</a:t>
+                      </a:r>
                     </a:p>
                   </a:txBody>
                   <a:tcPr/>
@@ -7303,14 +7413,14 @@
             <p:ph idx="1"/>
             <p:extLst>
               <p:ext uri="{D42A27DB-BD31-4B8C-83A1-F6EECF244321}">
-                <p14:modId xmlns:p14="http://schemas.microsoft.com/office/powerpoint/2010/main" val="3359905136"/>
+                <p14:modId xmlns:p14="http://schemas.microsoft.com/office/powerpoint/2010/main" val="1808399623"/>
               </p:ext>
             </p:extLst>
           </p:nvPr>
         </p:nvGraphicFramePr>
         <p:xfrm>
           <a:off x="838200" y="1825625"/>
-          <a:ext cx="10515600" cy="2021840"/>
+          <a:ext cx="10515600" cy="3114040"/>
         </p:xfrm>
         <a:graphic>
           <a:graphicData uri="http://schemas.openxmlformats.org/drawingml/2006/table">
@@ -7400,7 +7510,10 @@
                     <a:bodyPr/>
                     <a:lstStyle/>
                     <a:p>
-                      <a:endParaRPr lang="en-IE"/>
+                      <a:r>
+                        <a:rPr lang="en-IE" dirty="0"/>
+                        <a:t>Create the RDS to use Provisioned IOPS / SDD Storage as that has the Max IPOS / Volume of 32,000</a:t>
+                      </a:r>
                     </a:p>
                   </a:txBody>
                   <a:tcPr/>
@@ -7431,7 +7544,10 @@
                     <a:bodyPr/>
                     <a:lstStyle/>
                     <a:p>
-                      <a:endParaRPr lang="en-IE"/>
+                      <a:r>
+                        <a:rPr lang="en-IE" dirty="0"/>
+                        <a:t>Ensure that there is a main RDS in one of the Multi-Zone deployments Zones and a secondary one in another zone that is synchronised to store the same data</a:t>
+                      </a:r>
                     </a:p>
                   </a:txBody>
                   <a:tcPr/>
@@ -7468,7 +7584,10 @@
                     <a:bodyPr/>
                     <a:lstStyle/>
                     <a:p>
-                      <a:endParaRPr lang="en-IE" dirty="0"/>
+                      <a:r>
+                        <a:rPr lang="en-IE" dirty="0"/>
+                        <a:t>Ensure the MySQL 5.6.22 is chosen in the creation of the RDS so the process of the migration from Physical to virtual / Cloud services for the Database is smooth</a:t>
+                      </a:r>
                     </a:p>
                   </a:txBody>
                   <a:tcPr/>

--- a/Cloud_Computing/Labs/Assignment/part 2/Cloud-Computing-Assignment-2.pptx
+++ b/Cloud_Computing/Labs/Assignment/part 2/Cloud-Computing-Assignment-2.pptx
@@ -272,7 +272,7 @@
           <a:p>
             <a:fld id="{FB15029A-EAF4-46E5-A5A0-8E8E4D5788BC}" type="datetimeFigureOut">
               <a:rPr lang="en-IE" smtClean="0"/>
-              <a:t>12/12/2018</a:t>
+              <a:t>13/12/2018</a:t>
             </a:fld>
             <a:endParaRPr lang="en-IE"/>
           </a:p>
@@ -472,7 +472,7 @@
           <a:p>
             <a:fld id="{FB15029A-EAF4-46E5-A5A0-8E8E4D5788BC}" type="datetimeFigureOut">
               <a:rPr lang="en-IE" smtClean="0"/>
-              <a:t>12/12/2018</a:t>
+              <a:t>13/12/2018</a:t>
             </a:fld>
             <a:endParaRPr lang="en-IE"/>
           </a:p>
@@ -682,7 +682,7 @@
           <a:p>
             <a:fld id="{FB15029A-EAF4-46E5-A5A0-8E8E4D5788BC}" type="datetimeFigureOut">
               <a:rPr lang="en-IE" smtClean="0"/>
-              <a:t>12/12/2018</a:t>
+              <a:t>13/12/2018</a:t>
             </a:fld>
             <a:endParaRPr lang="en-IE"/>
           </a:p>
@@ -882,7 +882,7 @@
           <a:p>
             <a:fld id="{FB15029A-EAF4-46E5-A5A0-8E8E4D5788BC}" type="datetimeFigureOut">
               <a:rPr lang="en-IE" smtClean="0"/>
-              <a:t>12/12/2018</a:t>
+              <a:t>13/12/2018</a:t>
             </a:fld>
             <a:endParaRPr lang="en-IE"/>
           </a:p>
@@ -1158,7 +1158,7 @@
           <a:p>
             <a:fld id="{FB15029A-EAF4-46E5-A5A0-8E8E4D5788BC}" type="datetimeFigureOut">
               <a:rPr lang="en-IE" smtClean="0"/>
-              <a:t>12/12/2018</a:t>
+              <a:t>13/12/2018</a:t>
             </a:fld>
             <a:endParaRPr lang="en-IE"/>
           </a:p>
@@ -1426,7 +1426,7 @@
           <a:p>
             <a:fld id="{FB15029A-EAF4-46E5-A5A0-8E8E4D5788BC}" type="datetimeFigureOut">
               <a:rPr lang="en-IE" smtClean="0"/>
-              <a:t>12/12/2018</a:t>
+              <a:t>13/12/2018</a:t>
             </a:fld>
             <a:endParaRPr lang="en-IE"/>
           </a:p>
@@ -1841,7 +1841,7 @@
           <a:p>
             <a:fld id="{FB15029A-EAF4-46E5-A5A0-8E8E4D5788BC}" type="datetimeFigureOut">
               <a:rPr lang="en-IE" smtClean="0"/>
-              <a:t>12/12/2018</a:t>
+              <a:t>13/12/2018</a:t>
             </a:fld>
             <a:endParaRPr lang="en-IE"/>
           </a:p>
@@ -1983,7 +1983,7 @@
           <a:p>
             <a:fld id="{FB15029A-EAF4-46E5-A5A0-8E8E4D5788BC}" type="datetimeFigureOut">
               <a:rPr lang="en-IE" smtClean="0"/>
-              <a:t>12/12/2018</a:t>
+              <a:t>13/12/2018</a:t>
             </a:fld>
             <a:endParaRPr lang="en-IE"/>
           </a:p>
@@ -2096,7 +2096,7 @@
           <a:p>
             <a:fld id="{FB15029A-EAF4-46E5-A5A0-8E8E4D5788BC}" type="datetimeFigureOut">
               <a:rPr lang="en-IE" smtClean="0"/>
-              <a:t>12/12/2018</a:t>
+              <a:t>13/12/2018</a:t>
             </a:fld>
             <a:endParaRPr lang="en-IE"/>
           </a:p>
@@ -2409,7 +2409,7 @@
           <a:p>
             <a:fld id="{FB15029A-EAF4-46E5-A5A0-8E8E4D5788BC}" type="datetimeFigureOut">
               <a:rPr lang="en-IE" smtClean="0"/>
-              <a:t>12/12/2018</a:t>
+              <a:t>13/12/2018</a:t>
             </a:fld>
             <a:endParaRPr lang="en-IE"/>
           </a:p>
@@ -2698,7 +2698,7 @@
           <a:p>
             <a:fld id="{FB15029A-EAF4-46E5-A5A0-8E8E4D5788BC}" type="datetimeFigureOut">
               <a:rPr lang="en-IE" smtClean="0"/>
-              <a:t>12/12/2018</a:t>
+              <a:t>13/12/2018</a:t>
             </a:fld>
             <a:endParaRPr lang="en-IE"/>
           </a:p>
@@ -2941,7 +2941,7 @@
           <a:p>
             <a:fld id="{FB15029A-EAF4-46E5-A5A0-8E8E4D5788BC}" type="datetimeFigureOut">
               <a:rPr lang="en-IE" smtClean="0"/>
-              <a:t>12/12/2018</a:t>
+              <a:t>13/12/2018</a:t>
             </a:fld>
             <a:endParaRPr lang="en-IE"/>
           </a:p>
@@ -3700,11 +3700,17 @@
             <p:ph type="title"/>
           </p:nvPr>
         </p:nvSpPr>
-        <p:spPr/>
+        <p:spPr>
+          <a:xfrm>
+            <a:off x="838200" y="162824"/>
+            <a:ext cx="10515600" cy="1325563"/>
+          </a:xfrm>
+        </p:spPr>
         <p:txBody>
           <a:bodyPr/>
           <a:lstStyle/>
           <a:p>
+            <a:pPr algn="ctr"/>
             <a:r>
               <a:rPr lang="en-IE" dirty="0"/>
               <a:t>Proposed Architecture Diagram</a:t>
@@ -3712,31 +3718,41 @@
           </a:p>
         </p:txBody>
       </p:sp>
-      <p:sp>
-        <p:nvSpPr>
-          <p:cNvPr id="3" name="Content Placeholder 2">
-            <a:extLst>
-              <a:ext uri="{FF2B5EF4-FFF2-40B4-BE49-F238E27FC236}">
-                <a16:creationId xmlns:a16="http://schemas.microsoft.com/office/drawing/2014/main" id="{61F5481A-8111-441D-A59D-577FB0A52915}"/>
-              </a:ext>
-            </a:extLst>
-          </p:cNvPr>
-          <p:cNvSpPr>
-            <a:spLocks noGrp="1"/>
-          </p:cNvSpPr>
+      <p:pic>
+        <p:nvPicPr>
+          <p:cNvPr id="9" name="Content Placeholder 8" descr="A close up of a map&#10;&#10;Description generated with very high confidence">
+            <a:extLst>
+              <a:ext uri="{FF2B5EF4-FFF2-40B4-BE49-F238E27FC236}">
+                <a16:creationId xmlns:a16="http://schemas.microsoft.com/office/drawing/2014/main" id="{02AE5CEC-75DE-4599-94BE-4AD846918217}"/>
+              </a:ext>
+            </a:extLst>
+          </p:cNvPr>
+          <p:cNvPicPr>
+            <a:picLocks noGrp="1" noChangeAspect="1"/>
+          </p:cNvPicPr>
           <p:nvPr>
             <p:ph idx="1"/>
           </p:nvPr>
-        </p:nvSpPr>
-        <p:spPr/>
-        <p:txBody>
-          <a:bodyPr/>
-          <a:lstStyle/>
-          <a:p>
-            <a:endParaRPr lang="en-IE"/>
-          </a:p>
-        </p:txBody>
-      </p:sp>
+        </p:nvPicPr>
+        <p:blipFill>
+          <a:blip r:embed="rId2">
+            <a:extLst>
+              <a:ext uri="{28A0092B-C50C-407E-A947-70E740481C1C}">
+                <a14:useLocalDpi xmlns:a14="http://schemas.microsoft.com/office/drawing/2010/main" val="0"/>
+              </a:ext>
+            </a:extLst>
+          </a:blip>
+          <a:stretch>
+            <a:fillRect/>
+          </a:stretch>
+        </p:blipFill>
+        <p:spPr>
+          <a:xfrm>
+            <a:off x="1519954" y="1348194"/>
+            <a:ext cx="9152092" cy="5346982"/>
+          </a:xfrm>
+        </p:spPr>
+      </p:pic>
     </p:spTree>
     <p:extLst>
       <p:ext uri="{BB962C8B-B14F-4D97-AF65-F5344CB8AC3E}">
@@ -3811,14 +3827,14 @@
             <p:ph idx="1"/>
             <p:extLst>
               <p:ext uri="{D42A27DB-BD31-4B8C-83A1-F6EECF244321}">
-                <p14:modId xmlns:p14="http://schemas.microsoft.com/office/powerpoint/2010/main" val="4196336964"/>
+                <p14:modId xmlns:p14="http://schemas.microsoft.com/office/powerpoint/2010/main" val="1085156298"/>
               </p:ext>
             </p:extLst>
           </p:nvPr>
         </p:nvGraphicFramePr>
         <p:xfrm>
-          <a:off x="768743" y="1825625"/>
-          <a:ext cx="10585057" cy="1112520"/>
+          <a:off x="768743" y="1690688"/>
+          <a:ext cx="10585057" cy="1381760"/>
         </p:xfrm>
         <a:graphic>
           <a:graphicData uri="http://schemas.openxmlformats.org/drawingml/2006/table">
@@ -3977,6 +3993,12 @@
                       <a:r>
                         <a:rPr lang="en-IE" dirty="0"/>
                         <a:t>US-West 1</a:t>
+                      </a:r>
+                    </a:p>
+                    <a:p>
+                      <a:r>
+                        <a:rPr lang="en-IE" dirty="0"/>
+                        <a:t>EU-West 2</a:t>
                       </a:r>
                     </a:p>
                   </a:txBody>

--- a/Cloud_Computing/Labs/Assignment/part 2/Cloud-Computing-Assignment-2.pptx
+++ b/Cloud_Computing/Labs/Assignment/part 2/Cloud-Computing-Assignment-2.pptx
@@ -272,7 +272,7 @@
           <a:p>
             <a:fld id="{FB15029A-EAF4-46E5-A5A0-8E8E4D5788BC}" type="datetimeFigureOut">
               <a:rPr lang="en-IE" smtClean="0"/>
-              <a:t>13/12/2018</a:t>
+              <a:t>14/12/2018</a:t>
             </a:fld>
             <a:endParaRPr lang="en-IE"/>
           </a:p>
@@ -472,7 +472,7 @@
           <a:p>
             <a:fld id="{FB15029A-EAF4-46E5-A5A0-8E8E4D5788BC}" type="datetimeFigureOut">
               <a:rPr lang="en-IE" smtClean="0"/>
-              <a:t>13/12/2018</a:t>
+              <a:t>14/12/2018</a:t>
             </a:fld>
             <a:endParaRPr lang="en-IE"/>
           </a:p>
@@ -682,7 +682,7 @@
           <a:p>
             <a:fld id="{FB15029A-EAF4-46E5-A5A0-8E8E4D5788BC}" type="datetimeFigureOut">
               <a:rPr lang="en-IE" smtClean="0"/>
-              <a:t>13/12/2018</a:t>
+              <a:t>14/12/2018</a:t>
             </a:fld>
             <a:endParaRPr lang="en-IE"/>
           </a:p>
@@ -882,7 +882,7 @@
           <a:p>
             <a:fld id="{FB15029A-EAF4-46E5-A5A0-8E8E4D5788BC}" type="datetimeFigureOut">
               <a:rPr lang="en-IE" smtClean="0"/>
-              <a:t>13/12/2018</a:t>
+              <a:t>14/12/2018</a:t>
             </a:fld>
             <a:endParaRPr lang="en-IE"/>
           </a:p>
@@ -1158,7 +1158,7 @@
           <a:p>
             <a:fld id="{FB15029A-EAF4-46E5-A5A0-8E8E4D5788BC}" type="datetimeFigureOut">
               <a:rPr lang="en-IE" smtClean="0"/>
-              <a:t>13/12/2018</a:t>
+              <a:t>14/12/2018</a:t>
             </a:fld>
             <a:endParaRPr lang="en-IE"/>
           </a:p>
@@ -1426,7 +1426,7 @@
           <a:p>
             <a:fld id="{FB15029A-EAF4-46E5-A5A0-8E8E4D5788BC}" type="datetimeFigureOut">
               <a:rPr lang="en-IE" smtClean="0"/>
-              <a:t>13/12/2018</a:t>
+              <a:t>14/12/2018</a:t>
             </a:fld>
             <a:endParaRPr lang="en-IE"/>
           </a:p>
@@ -1841,7 +1841,7 @@
           <a:p>
             <a:fld id="{FB15029A-EAF4-46E5-A5A0-8E8E4D5788BC}" type="datetimeFigureOut">
               <a:rPr lang="en-IE" smtClean="0"/>
-              <a:t>13/12/2018</a:t>
+              <a:t>14/12/2018</a:t>
             </a:fld>
             <a:endParaRPr lang="en-IE"/>
           </a:p>
@@ -1983,7 +1983,7 @@
           <a:p>
             <a:fld id="{FB15029A-EAF4-46E5-A5A0-8E8E4D5788BC}" type="datetimeFigureOut">
               <a:rPr lang="en-IE" smtClean="0"/>
-              <a:t>13/12/2018</a:t>
+              <a:t>14/12/2018</a:t>
             </a:fld>
             <a:endParaRPr lang="en-IE"/>
           </a:p>
@@ -2096,7 +2096,7 @@
           <a:p>
             <a:fld id="{FB15029A-EAF4-46E5-A5A0-8E8E4D5788BC}" type="datetimeFigureOut">
               <a:rPr lang="en-IE" smtClean="0"/>
-              <a:t>13/12/2018</a:t>
+              <a:t>14/12/2018</a:t>
             </a:fld>
             <a:endParaRPr lang="en-IE"/>
           </a:p>
@@ -2409,7 +2409,7 @@
           <a:p>
             <a:fld id="{FB15029A-EAF4-46E5-A5A0-8E8E4D5788BC}" type="datetimeFigureOut">
               <a:rPr lang="en-IE" smtClean="0"/>
-              <a:t>13/12/2018</a:t>
+              <a:t>14/12/2018</a:t>
             </a:fld>
             <a:endParaRPr lang="en-IE"/>
           </a:p>
@@ -2698,7 +2698,7 @@
           <a:p>
             <a:fld id="{FB15029A-EAF4-46E5-A5A0-8E8E4D5788BC}" type="datetimeFigureOut">
               <a:rPr lang="en-IE" smtClean="0"/>
-              <a:t>13/12/2018</a:t>
+              <a:t>14/12/2018</a:t>
             </a:fld>
             <a:endParaRPr lang="en-IE"/>
           </a:p>
@@ -2941,7 +2941,7 @@
           <a:p>
             <a:fld id="{FB15029A-EAF4-46E5-A5A0-8E8E4D5788BC}" type="datetimeFigureOut">
               <a:rPr lang="en-IE" smtClean="0"/>
-              <a:t>13/12/2018</a:t>
+              <a:t>14/12/2018</a:t>
             </a:fld>
             <a:endParaRPr lang="en-IE"/>
           </a:p>
@@ -3393,8 +3393,13 @@
             </a:br>
             <a:r>
               <a:rPr lang="en-IE" dirty="0"/>
-              <a:t>Final Part</a:t>
-            </a:r>
+              <a:t>Final Part - </a:t>
+            </a:r>
+            <a:r>
+              <a:rPr lang="en-IE" dirty="0" err="1"/>
+              <a:t>GoGreen</a:t>
+            </a:r>
+            <a:endParaRPr lang="en-IE" dirty="0"/>
           </a:p>
         </p:txBody>
       </p:sp>
@@ -4969,7 +4974,7 @@
             <p:ph idx="1"/>
             <p:extLst>
               <p:ext uri="{D42A27DB-BD31-4B8C-83A1-F6EECF244321}">
-                <p14:modId xmlns:p14="http://schemas.microsoft.com/office/powerpoint/2010/main" val="3816392166"/>
+                <p14:modId xmlns:p14="http://schemas.microsoft.com/office/powerpoint/2010/main" val="2191830175"/>
               </p:ext>
             </p:extLst>
           </p:nvPr>
@@ -5304,7 +5309,7 @@
                     <a:p>
                       <a:r>
                         <a:rPr lang="en-IE" dirty="0"/>
-                        <a:t>Allow 3306</a:t>
+                        <a:t>Allow 1433</a:t>
                       </a:r>
                     </a:p>
                   </a:txBody>
